--- a/presentasi/Presentation2.pptx
+++ b/presentasi/Presentation2.pptx
@@ -7,14 +7,10 @@
   <p:sldIdLst>
     <p:sldId id="256" r:id="rId2"/>
     <p:sldId id="257" r:id="rId3"/>
-    <p:sldId id="258" r:id="rId4"/>
-    <p:sldId id="259" r:id="rId5"/>
-    <p:sldId id="260" r:id="rId6"/>
-    <p:sldId id="261" r:id="rId7"/>
-    <p:sldId id="262" r:id="rId8"/>
-    <p:sldId id="263" r:id="rId9"/>
-    <p:sldId id="264" r:id="rId10"/>
-    <p:sldId id="265" r:id="rId11"/>
+    <p:sldId id="266" r:id="rId4"/>
+    <p:sldId id="268" r:id="rId5"/>
+    <p:sldId id="264" r:id="rId6"/>
+    <p:sldId id="265" r:id="rId7"/>
   </p:sldIdLst>
   <p:sldSz cx="12192000" cy="6858000"/>
   <p:notesSz cx="6858000" cy="9144000"/>
@@ -216,7 +212,7 @@
           <a:effectLst/>
           <a:extLst>
             <a:ext uri="{91240B29-F687-4f45-9708-019B960494DF}">
-              <a14:hiddenLine xmlns="" xmlns:a14="http://schemas.microsoft.com/office/drawing/2010/main" w="9525">
+              <a14:hiddenLine xmlns:a14="http://schemas.microsoft.com/office/drawing/2010/main" xmlns="" w="9525">
                 <a:solidFill>
                   <a:srgbClr val="000000"/>
                 </a:solidFill>
@@ -409,7 +405,7 @@
             <a:fld id="{08B9EBBA-996F-894A-B54A-D6246ED52CEA}" type="datetimeFigureOut">
               <a:rPr lang="en-US" dirty="0"/>
               <a:pPr/>
-              <a:t>2/17/2016</a:t>
+              <a:t>2/24/2016</a:t>
             </a:fld>
             <a:endParaRPr lang="en-US" dirty="0"/>
           </a:p>
@@ -724,7 +720,7 @@
             <a:fld id="{18C79C5D-2A6F-F04D-97DA-BEF2467B64E4}" type="datetimeFigureOut">
               <a:rPr lang="en-US" dirty="0"/>
               <a:pPr/>
-              <a:t>2/17/2016</a:t>
+              <a:t>2/24/2016</a:t>
             </a:fld>
             <a:endParaRPr lang="en-US" dirty="0"/>
           </a:p>
@@ -1209,7 +1205,7 @@
             <a:fld id="{8DFA1846-DA80-1C48-A609-854EA85C59AD}" type="datetimeFigureOut">
               <a:rPr lang="en-US" dirty="0"/>
               <a:pPr/>
-              <a:t>2/17/2016</a:t>
+              <a:t>2/24/2016</a:t>
             </a:fld>
             <a:endParaRPr lang="en-US" dirty="0"/>
           </a:p>
@@ -1575,7 +1571,7 @@
             <a:fld id="{FBF54567-0DE4-3F47-BF90-CB84690072F9}" type="datetimeFigureOut">
               <a:rPr lang="en-US" dirty="0"/>
               <a:pPr/>
-              <a:t>2/17/2016</a:t>
+              <a:t>2/24/2016</a:t>
             </a:fld>
             <a:endParaRPr lang="en-US" dirty="0"/>
           </a:p>
@@ -1726,7 +1722,7 @@
           <a:ln/>
           <a:extLst>
             <a:ext uri="{91240B29-F687-4f45-9708-019B960494DF}">
-              <a14:hiddenLine xmlns="" xmlns:a14="http://schemas.microsoft.com/office/drawing/2010/main" w="9525">
+              <a14:hiddenLine xmlns:a14="http://schemas.microsoft.com/office/drawing/2010/main" xmlns="" w="9525">
                 <a:solidFill>
                   <a:srgbClr val="000000"/>
                 </a:solidFill>
@@ -1845,7 +1841,7 @@
             <a:fld id="{C6C52C72-DE31-F449-A4ED-4C594FD91407}" type="datetimeFigureOut">
               <a:rPr lang="en-US" dirty="0"/>
               <a:pPr/>
-              <a:t>2/17/2016</a:t>
+              <a:t>2/24/2016</a:t>
             </a:fld>
             <a:endParaRPr lang="en-US" dirty="0"/>
           </a:p>
@@ -1998,7 +1994,7 @@
           <a:ln/>
           <a:extLst>
             <a:ext uri="{91240B29-F687-4f45-9708-019B960494DF}">
-              <a14:hiddenLine xmlns="" xmlns:a14="http://schemas.microsoft.com/office/drawing/2010/main" w="9525">
+              <a14:hiddenLine xmlns:a14="http://schemas.microsoft.com/office/drawing/2010/main" xmlns="" w="9525">
                 <a:solidFill>
                   <a:srgbClr val="000000"/>
                 </a:solidFill>
@@ -2127,7 +2123,7 @@
             <a:fld id="{ED62726E-379B-B349-9EED-81ED093FA806}" type="datetimeFigureOut">
               <a:rPr lang="en-US" dirty="0"/>
               <a:pPr/>
-              <a:t>2/17/2016</a:t>
+              <a:t>2/24/2016</a:t>
             </a:fld>
             <a:endParaRPr lang="en-US" dirty="0"/>
           </a:p>
@@ -2278,7 +2274,7 @@
           <a:ln/>
           <a:extLst>
             <a:ext uri="{91240B29-F687-4f45-9708-019B960494DF}">
-              <a14:hiddenLine xmlns="" xmlns:a14="http://schemas.microsoft.com/office/drawing/2010/main" w="9525">
+              <a14:hiddenLine xmlns:a14="http://schemas.microsoft.com/office/drawing/2010/main" xmlns="" w="9525">
                 <a:solidFill>
                   <a:srgbClr val="000000"/>
                 </a:solidFill>
@@ -2407,7 +2403,7 @@
             <a:fld id="{9B3A1323-8D79-1946-B0D7-40001CF92E9D}" type="datetimeFigureOut">
               <a:rPr lang="en-US" dirty="0"/>
               <a:pPr/>
-              <a:t>2/17/2016</a:t>
+              <a:t>2/24/2016</a:t>
             </a:fld>
             <a:endParaRPr lang="en-US" dirty="0"/>
           </a:p>
@@ -2747,7 +2743,7 @@
             <a:fld id="{8DFA1846-DA80-1C48-A609-854EA85C59AD}" type="datetimeFigureOut">
               <a:rPr lang="en-US" dirty="0"/>
               <a:pPr/>
-              <a:t>2/17/2016</a:t>
+              <a:t>2/24/2016</a:t>
             </a:fld>
             <a:endParaRPr lang="en-US" dirty="0"/>
           </a:p>
@@ -2898,7 +2894,7 @@
           <a:ln/>
           <a:extLst>
             <a:ext uri="{91240B29-F687-4f45-9708-019B960494DF}">
-              <a14:hiddenLine xmlns="" xmlns:a14="http://schemas.microsoft.com/office/drawing/2010/main" w="9525">
+              <a14:hiddenLine xmlns:a14="http://schemas.microsoft.com/office/drawing/2010/main" xmlns="" w="9525">
                 <a:solidFill>
                   <a:srgbClr val="000000"/>
                 </a:solidFill>
@@ -3083,7 +3079,7 @@
             <a:fld id="{57302355-E14B-8545-A8F8-0FE83CC9D524}" type="datetimeFigureOut">
               <a:rPr lang="en-US" dirty="0"/>
               <a:pPr/>
-              <a:t>2/17/2016</a:t>
+              <a:t>2/24/2016</a:t>
             </a:fld>
             <a:endParaRPr lang="en-US" dirty="0"/>
           </a:p>
@@ -3234,7 +3230,7 @@
           <a:ln/>
           <a:extLst>
             <a:ext uri="{91240B29-F687-4f45-9708-019B960494DF}">
-              <a14:hiddenLine xmlns="" xmlns:a14="http://schemas.microsoft.com/office/drawing/2010/main" w="9525">
+              <a14:hiddenLine xmlns:a14="http://schemas.microsoft.com/office/drawing/2010/main" xmlns="" w="9525">
                 <a:solidFill>
                   <a:srgbClr val="000000"/>
                 </a:solidFill>
@@ -3557,7 +3553,7 @@
             <a:fld id="{02640F58-564D-2B4F-AE67-E407BA4FCF45}" type="datetimeFigureOut">
               <a:rPr lang="en-US" dirty="0"/>
               <a:pPr/>
-              <a:t>2/17/2016</a:t>
+              <a:t>2/24/2016</a:t>
             </a:fld>
             <a:endParaRPr lang="en-US" dirty="0"/>
           </a:p>
@@ -3708,7 +3704,7 @@
           <a:ln/>
           <a:extLst>
             <a:ext uri="{91240B29-F687-4f45-9708-019B960494DF}">
-              <a14:hiddenLine xmlns="" xmlns:a14="http://schemas.microsoft.com/office/drawing/2010/main" w="9525">
+              <a14:hiddenLine xmlns:a14="http://schemas.microsoft.com/office/drawing/2010/main" xmlns="" w="9525">
                 <a:solidFill>
                   <a:srgbClr val="000000"/>
                 </a:solidFill>
@@ -3775,7 +3771,7 @@
             <a:fld id="{F13A34C8-038E-2045-AF43-DF7DBB8E0E9E}" type="datetimeFigureOut">
               <a:rPr lang="en-US" dirty="0"/>
               <a:pPr/>
-              <a:t>2/17/2016</a:t>
+              <a:t>2/24/2016</a:t>
             </a:fld>
             <a:endParaRPr lang="en-US" dirty="0"/>
           </a:p>
@@ -3867,7 +3863,7 @@
             <a:fld id="{8818C68F-D26B-8F47-958C-23B49CF8A634}" type="datetimeFigureOut">
               <a:rPr lang="en-US" dirty="0"/>
               <a:pPr/>
-              <a:t>2/17/2016</a:t>
+              <a:t>2/24/2016</a:t>
             </a:fld>
             <a:endParaRPr lang="en-US" dirty="0"/>
           </a:p>
@@ -4131,7 +4127,7 @@
           <a:ln/>
           <a:extLst>
             <a:ext uri="{91240B29-F687-4f45-9708-019B960494DF}">
-              <a14:hiddenLine xmlns="" xmlns:a14="http://schemas.microsoft.com/office/drawing/2010/main" w="9525">
+              <a14:hiddenLine xmlns:a14="http://schemas.microsoft.com/office/drawing/2010/main" xmlns="" w="9525">
                 <a:solidFill>
                   <a:srgbClr val="000000"/>
                 </a:solidFill>
@@ -4331,7 +4327,7 @@
             <a:fld id="{D0DF5E60-9974-AC48-9591-99C2BB44B7CF}" type="datetimeFigureOut">
               <a:rPr lang="en-US" dirty="0"/>
               <a:pPr/>
-              <a:t>2/17/2016</a:t>
+              <a:t>2/24/2016</a:t>
             </a:fld>
             <a:endParaRPr lang="en-US" dirty="0"/>
           </a:p>
@@ -4641,7 +4637,7 @@
             <a:fld id="{18C79C5D-2A6F-F04D-97DA-BEF2467B64E4}" type="datetimeFigureOut">
               <a:rPr lang="en-US" dirty="0"/>
               <a:pPr/>
-              <a:t>2/17/2016</a:t>
+              <a:t>2/24/2016</a:t>
             </a:fld>
             <a:endParaRPr lang="en-US" dirty="0"/>
           </a:p>
@@ -4908,7 +4904,7 @@
             <a:fld id="{09B482E8-6E0E-1B4F-B1FD-C69DB9E858D9}" type="datetimeFigureOut">
               <a:rPr lang="en-US" dirty="0"/>
               <a:pPr/>
-              <a:t>2/17/2016</a:t>
+              <a:t>2/24/2016</a:t>
             </a:fld>
             <a:endParaRPr lang="en-US" dirty="0"/>
           </a:p>
@@ -5388,7 +5384,20 @@
                   </a:outerShdw>
                 </a:effectLst>
               </a:rPr>
-              <a:t>SISTEM INFORMASI</a:t>
+              <a:t>SISTEM </a:t>
+            </a:r>
+            <a:r>
+              <a:rPr lang="en-US" sz="4000" b="1" dirty="0" smtClean="0">
+                <a:ln w="0"/>
+                <a:effectLst>
+                  <a:outerShdw blurRad="38100" dist="19050" dir="2700000" algn="tl" rotWithShape="0">
+                    <a:schemeClr val="dk1">
+                      <a:alpha val="40000"/>
+                    </a:schemeClr>
+                  </a:outerShdw>
+                </a:effectLst>
+              </a:rPr>
+              <a:t>INFORMASI</a:t>
             </a:r>
           </a:p>
           <a:p>
@@ -5428,7 +5437,7 @@
         <p:spPr>
           <a:xfrm>
             <a:off x="0" y="3407966"/>
-            <a:ext cx="12191999" cy="1077218"/>
+            <a:ext cx="12191999" cy="1569660"/>
           </a:xfrm>
           <a:prstGeom prst="rect">
             <a:avLst/>
@@ -5443,7 +5452,7 @@
           <a:p>
             <a:pPr algn="ctr"/>
             <a:r>
-              <a:rPr lang="en-US" sz="3200" b="1" cap="none" spc="0" dirty="0" smtClean="0">
+              <a:rPr lang="en-US" sz="3200" b="1" i="1" cap="none" spc="0" dirty="0" smtClean="0">
                 <a:ln w="9525">
                   <a:solidFill>
                     <a:schemeClr val="bg1"/>
@@ -5467,6 +5476,38 @@
           <a:p>
             <a:pPr algn="ctr"/>
             <a:r>
+              <a:rPr lang="en-US" sz="3200" dirty="0" smtClean="0">
+                <a:ln w="9525">
+                  <a:solidFill>
+                    <a:schemeClr val="bg1"/>
+                  </a:solidFill>
+                  <a:prstDash val="solid"/>
+                </a:ln>
+              </a:rPr>
+              <a:t>13141069</a:t>
+            </a:r>
+          </a:p>
+          <a:p>
+            <a:pPr algn="ctr"/>
+            <a:r>
+              <a:rPr lang="en-US" sz="3200" b="1" dirty="0">
+                <a:ln w="9525">
+                  <a:solidFill>
+                    <a:schemeClr val="bg1"/>
+                  </a:solidFill>
+                  <a:prstDash val="solid"/>
+                </a:ln>
+                <a:effectLst>
+                  <a:outerShdw blurRad="12700" dist="38100" dir="2700000" algn="tl" rotWithShape="0">
+                    <a:schemeClr val="bg1">
+                      <a:lumMod val="50000"/>
+                    </a:schemeClr>
+                  </a:outerShdw>
+                </a:effectLst>
+              </a:rPr>
+              <a:t>XII REKAYASA PERANGKAT </a:t>
+            </a:r>
+            <a:r>
               <a:rPr lang="en-US" sz="3200" b="1" dirty="0" smtClean="0">
                 <a:ln w="9525">
                   <a:solidFill>
@@ -5482,18 +5523,15 @@
                   </a:outerShdw>
                 </a:effectLst>
               </a:rPr>
-              <a:t>13141069</a:t>
-            </a:r>
-            <a:endParaRPr lang="en-US" sz="3200" b="1" cap="none" spc="0" dirty="0">
+              <a:t>LUNAK</a:t>
+            </a:r>
+            <a:endParaRPr lang="en-US" sz="3200" b="1" dirty="0">
               <a:ln w="9525">
                 <a:solidFill>
                   <a:schemeClr val="bg1"/>
                 </a:solidFill>
                 <a:prstDash val="solid"/>
               </a:ln>
-              <a:solidFill>
-                <a:schemeClr val="tx1"/>
-              </a:solidFill>
               <a:effectLst>
                 <a:outerShdw blurRad="12700" dist="38100" dir="2700000" algn="tl" rotWithShape="0">
                   <a:schemeClr val="bg1">
@@ -5543,7 +5581,7 @@
         </p:nvSpPr>
         <p:spPr>
           <a:xfrm>
-            <a:off x="0" y="4973784"/>
+            <a:off x="-2" y="5391795"/>
             <a:ext cx="12191999" cy="1138773"/>
           </a:xfrm>
           <a:prstGeom prst="rect">
@@ -5635,346 +5673,14 @@
   <p:clrMapOvr>
     <a:masterClrMapping/>
   </p:clrMapOvr>
-  <p:timing>
-    <p:tnLst>
-      <p:par>
-        <p:cTn id="1" dur="indefinite" restart="never" nodeType="tmRoot"/>
-      </p:par>
-    </p:tnLst>
-  </p:timing>
-</p:sld>
-</file>
-
-<file path=ppt/slides/slide10.xml><?xml version="1.0" encoding="utf-8"?>
-<p:sld xmlns:a="http://schemas.openxmlformats.org/drawingml/2006/main" xmlns:r="http://schemas.openxmlformats.org/officeDocument/2006/relationships" xmlns:p="http://schemas.openxmlformats.org/presentationml/2006/main">
-  <p:cSld>
-    <p:spTree>
-      <p:nvGrpSpPr>
-        <p:cNvPr id="1" name=""/>
-        <p:cNvGrpSpPr/>
-        <p:nvPr/>
-      </p:nvGrpSpPr>
-      <p:grpSpPr>
-        <a:xfrm>
-          <a:off x="0" y="0"/>
-          <a:ext cx="0" cy="0"/>
-          <a:chOff x="0" y="0"/>
-          <a:chExt cx="0" cy="0"/>
-        </a:xfrm>
-      </p:grpSpPr>
-      <p:sp>
-        <p:nvSpPr>
-          <p:cNvPr id="2" name="Title 1"/>
-          <p:cNvSpPr>
-            <a:spLocks noGrp="1"/>
-          </p:cNvSpPr>
-          <p:nvPr>
-            <p:ph type="title"/>
-          </p:nvPr>
-        </p:nvSpPr>
-        <p:spPr/>
-        <p:txBody>
-          <a:bodyPr/>
-          <a:lstStyle/>
-          <a:p>
-            <a:r>
-              <a:rPr lang="en-US" dirty="0" err="1" smtClean="0"/>
-              <a:t>Kesimpulan</a:t>
-            </a:r>
-            <a:endParaRPr lang="id-ID" dirty="0"/>
-          </a:p>
-        </p:txBody>
-      </p:sp>
-      <p:sp>
-        <p:nvSpPr>
-          <p:cNvPr id="3" name="Content Placeholder 2"/>
-          <p:cNvSpPr>
-            <a:spLocks noGrp="1"/>
-          </p:cNvSpPr>
-          <p:nvPr>
-            <p:ph idx="1"/>
-          </p:nvPr>
-        </p:nvSpPr>
-        <p:spPr/>
-        <p:txBody>
-          <a:bodyPr>
-            <a:normAutofit/>
-          </a:bodyPr>
-          <a:lstStyle/>
-          <a:p>
-            <a:r>
-              <a:rPr lang="en-US" sz="3200" dirty="0" err="1" smtClean="0"/>
-              <a:t>Dengan</a:t>
-            </a:r>
-            <a:r>
-              <a:rPr lang="en-US" sz="3200" dirty="0" smtClean="0"/>
-              <a:t> </a:t>
-            </a:r>
-            <a:r>
-              <a:rPr lang="en-US" sz="3200" dirty="0" err="1" smtClean="0"/>
-              <a:t>adanya</a:t>
-            </a:r>
-            <a:r>
-              <a:rPr lang="en-US" sz="3200" dirty="0" smtClean="0"/>
-              <a:t> </a:t>
-            </a:r>
-            <a:r>
-              <a:rPr lang="en-US" sz="3200" dirty="0" err="1" smtClean="0"/>
-              <a:t>aplikasi</a:t>
-            </a:r>
-            <a:r>
-              <a:rPr lang="en-US" sz="3200" dirty="0" smtClean="0"/>
-              <a:t> </a:t>
-            </a:r>
-            <a:r>
-              <a:rPr lang="en-US" sz="3200" dirty="0" err="1" smtClean="0"/>
-              <a:t>rekam</a:t>
-            </a:r>
-            <a:r>
-              <a:rPr lang="en-US" sz="3200" dirty="0" smtClean="0"/>
-              <a:t> </a:t>
-            </a:r>
-            <a:r>
-              <a:rPr lang="en-US" sz="3200" dirty="0" err="1" smtClean="0"/>
-              <a:t>medis</a:t>
-            </a:r>
-            <a:r>
-              <a:rPr lang="en-US" sz="3200" dirty="0" smtClean="0"/>
-              <a:t> </a:t>
-            </a:r>
-            <a:r>
-              <a:rPr lang="en-US" sz="3200" dirty="0" err="1" smtClean="0"/>
-              <a:t>berbasis</a:t>
-            </a:r>
-            <a:r>
-              <a:rPr lang="en-US" sz="3200" dirty="0" smtClean="0"/>
-              <a:t> </a:t>
-            </a:r>
-            <a:r>
-              <a:rPr lang="en-US" sz="3200" dirty="0" err="1" smtClean="0"/>
-              <a:t>komputer</a:t>
-            </a:r>
-            <a:r>
-              <a:rPr lang="en-US" sz="3200" dirty="0" smtClean="0"/>
-              <a:t> </a:t>
-            </a:r>
-            <a:r>
-              <a:rPr lang="en-US" sz="3200" dirty="0" err="1" smtClean="0"/>
-              <a:t>ini</a:t>
-            </a:r>
-            <a:r>
-              <a:rPr lang="en-US" sz="3200" dirty="0" smtClean="0"/>
-              <a:t> </a:t>
-            </a:r>
-            <a:r>
-              <a:rPr lang="en-US" sz="3200" dirty="0" err="1" smtClean="0"/>
-              <a:t>dokter</a:t>
-            </a:r>
-            <a:r>
-              <a:rPr lang="en-US" sz="3200" dirty="0" smtClean="0"/>
-              <a:t> </a:t>
-            </a:r>
-            <a:r>
-              <a:rPr lang="en-US" sz="3200" dirty="0" err="1" smtClean="0"/>
-              <a:t>ataupun</a:t>
-            </a:r>
-            <a:r>
-              <a:rPr lang="en-US" sz="3200" dirty="0" smtClean="0"/>
-              <a:t> </a:t>
-            </a:r>
-            <a:r>
-              <a:rPr lang="en-US" sz="3200" dirty="0" err="1" smtClean="0"/>
-              <a:t>petugas</a:t>
-            </a:r>
-            <a:r>
-              <a:rPr lang="en-US" sz="3200" dirty="0" smtClean="0"/>
-              <a:t> </a:t>
-            </a:r>
-            <a:r>
-              <a:rPr lang="en-US" sz="3200" dirty="0" err="1" smtClean="0"/>
-              <a:t>dapat</a:t>
-            </a:r>
-            <a:r>
-              <a:rPr lang="en-US" sz="3200" dirty="0" smtClean="0"/>
-              <a:t> </a:t>
-            </a:r>
-            <a:r>
-              <a:rPr lang="en-US" sz="3200" dirty="0" err="1" smtClean="0"/>
-              <a:t>dengan</a:t>
-            </a:r>
-            <a:r>
-              <a:rPr lang="en-US" sz="3200" dirty="0" smtClean="0"/>
-              <a:t> </a:t>
-            </a:r>
-            <a:r>
-              <a:rPr lang="en-US" sz="3200" dirty="0" err="1" smtClean="0"/>
-              <a:t>mudah</a:t>
-            </a:r>
-            <a:r>
-              <a:rPr lang="en-US" sz="3200" dirty="0" smtClean="0"/>
-              <a:t> </a:t>
-            </a:r>
-            <a:r>
-              <a:rPr lang="en-US" sz="3200" dirty="0" err="1" smtClean="0"/>
-              <a:t>mencari</a:t>
-            </a:r>
-            <a:r>
-              <a:rPr lang="en-US" sz="3200" dirty="0" smtClean="0"/>
-              <a:t> data </a:t>
-            </a:r>
-            <a:r>
-              <a:rPr lang="en-US" sz="3200" dirty="0" err="1" smtClean="0"/>
-              <a:t>rekam</a:t>
-            </a:r>
-            <a:r>
-              <a:rPr lang="en-US" sz="3200" dirty="0" smtClean="0"/>
-              <a:t> </a:t>
-            </a:r>
-            <a:r>
-              <a:rPr lang="en-US" sz="3200" dirty="0" err="1" smtClean="0"/>
-              <a:t>medis</a:t>
-            </a:r>
-            <a:r>
-              <a:rPr lang="en-US" sz="3200" dirty="0" smtClean="0"/>
-              <a:t> </a:t>
-            </a:r>
-            <a:r>
-              <a:rPr lang="en-US" sz="3200" dirty="0" err="1" smtClean="0"/>
-              <a:t>pasien</a:t>
-            </a:r>
-            <a:r>
-              <a:rPr lang="en-US" sz="3200" dirty="0" smtClean="0"/>
-              <a:t> yang di </a:t>
-            </a:r>
-            <a:r>
-              <a:rPr lang="en-US" sz="3200" dirty="0" err="1" smtClean="0"/>
-              <a:t>inginkan</a:t>
-            </a:r>
-            <a:r>
-              <a:rPr lang="en-US" sz="3200" dirty="0" smtClean="0"/>
-              <a:t>, </a:t>
-            </a:r>
-            <a:r>
-              <a:rPr lang="en-US" sz="3200" dirty="0" err="1" smtClean="0"/>
-              <a:t>tidak</a:t>
-            </a:r>
-            <a:r>
-              <a:rPr lang="en-US" sz="3200" dirty="0" smtClean="0"/>
-              <a:t> </a:t>
-            </a:r>
-            <a:r>
-              <a:rPr lang="en-US" sz="3200" dirty="0" err="1" smtClean="0"/>
-              <a:t>perlu</a:t>
-            </a:r>
-            <a:r>
-              <a:rPr lang="en-US" sz="3200" dirty="0" smtClean="0"/>
-              <a:t> </a:t>
-            </a:r>
-            <a:r>
-              <a:rPr lang="en-US" sz="3200" dirty="0" err="1" smtClean="0"/>
-              <a:t>mencari</a:t>
-            </a:r>
-            <a:r>
-              <a:rPr lang="en-US" sz="3200" dirty="0" smtClean="0"/>
-              <a:t> </a:t>
-            </a:r>
-            <a:r>
-              <a:rPr lang="en-US" sz="3200" dirty="0" err="1" smtClean="0"/>
-              <a:t>satu</a:t>
-            </a:r>
-            <a:r>
-              <a:rPr lang="en-US" sz="3200" dirty="0" smtClean="0"/>
-              <a:t> </a:t>
-            </a:r>
-            <a:r>
-              <a:rPr lang="en-US" sz="3200" dirty="0" err="1" smtClean="0"/>
-              <a:t>persatu</a:t>
-            </a:r>
-            <a:r>
-              <a:rPr lang="en-US" sz="3200" dirty="0" smtClean="0"/>
-              <a:t> data </a:t>
-            </a:r>
-            <a:r>
-              <a:rPr lang="en-US" sz="3200" dirty="0" err="1" smtClean="0"/>
-              <a:t>kertas</a:t>
-            </a:r>
-            <a:r>
-              <a:rPr lang="en-US" sz="3200" dirty="0" smtClean="0"/>
-              <a:t> </a:t>
-            </a:r>
-            <a:r>
-              <a:rPr lang="en-US" sz="3200" dirty="0" err="1" smtClean="0"/>
-              <a:t>catatan</a:t>
-            </a:r>
-            <a:r>
-              <a:rPr lang="en-US" sz="3200" dirty="0" smtClean="0"/>
-              <a:t> yang </a:t>
-            </a:r>
-            <a:r>
-              <a:rPr lang="en-US" sz="3200" dirty="0" err="1" smtClean="0"/>
-              <a:t>pastinya</a:t>
-            </a:r>
-            <a:r>
-              <a:rPr lang="en-US" sz="3200" dirty="0" smtClean="0"/>
-              <a:t> </a:t>
-            </a:r>
-            <a:r>
-              <a:rPr lang="en-US" sz="3200" dirty="0" err="1" smtClean="0"/>
-              <a:t>akan</a:t>
-            </a:r>
-            <a:r>
-              <a:rPr lang="en-US" sz="3200" dirty="0" smtClean="0"/>
-              <a:t> </a:t>
-            </a:r>
-            <a:r>
-              <a:rPr lang="en-US" sz="3200" dirty="0" err="1" smtClean="0"/>
-              <a:t>memakan</a:t>
-            </a:r>
-            <a:r>
-              <a:rPr lang="en-US" sz="3200" dirty="0" smtClean="0"/>
-              <a:t> </a:t>
-            </a:r>
-            <a:r>
-              <a:rPr lang="en-US" sz="3200" dirty="0" err="1" smtClean="0"/>
-              <a:t>waktu</a:t>
-            </a:r>
-            <a:r>
-              <a:rPr lang="en-US" sz="3200" dirty="0" smtClean="0"/>
-              <a:t> yang </a:t>
-            </a:r>
-            <a:r>
-              <a:rPr lang="en-US" sz="3200" dirty="0" err="1" smtClean="0"/>
-              <a:t>tidak</a:t>
-            </a:r>
-            <a:r>
-              <a:rPr lang="en-US" sz="3200" dirty="0" smtClean="0"/>
-              <a:t> </a:t>
-            </a:r>
-            <a:r>
-              <a:rPr lang="en-US" sz="3200" dirty="0" err="1" smtClean="0"/>
-              <a:t>sebentar</a:t>
-            </a:r>
-            <a:r>
-              <a:rPr lang="en-US" sz="3200" smtClean="0"/>
-              <a:t>.</a:t>
-            </a:r>
-            <a:endParaRPr lang="en-US" sz="3200" dirty="0" smtClean="0"/>
-          </a:p>
-          <a:p>
-            <a:endParaRPr lang="id-ID" sz="3200" dirty="0"/>
-          </a:p>
-        </p:txBody>
-      </p:sp>
-    </p:spTree>
-    <p:extLst>
-      <p:ext uri="{BB962C8B-B14F-4D97-AF65-F5344CB8AC3E}">
-        <p14:creationId xmlns:p14="http://schemas.microsoft.com/office/powerpoint/2010/main" val="2654695736"/>
-      </p:ext>
-    </p:extLst>
-  </p:cSld>
-  <p:clrMapOvr>
-    <a:masterClrMapping/>
-  </p:clrMapOvr>
+  <mc:AlternateContent xmlns:mc="http://schemas.openxmlformats.org/markup-compatibility/2006" xmlns:p14="http://schemas.microsoft.com/office/powerpoint/2010/main">
+    <mc:Choice Requires="p14">
+      <p:transition p14:dur="0"/>
+    </mc:Choice>
+    <mc:Fallback xmlns="">
+      <p:transition/>
+    </mc:Fallback>
+  </mc:AlternateContent>
   <p:timing>
     <p:tnLst>
       <p:par>
@@ -6018,12 +5724,8 @@
           <a:lstStyle/>
           <a:p>
             <a:r>
-              <a:rPr lang="id-ID" dirty="0"/>
-              <a:t>Pengertian Rekam </a:t>
-            </a:r>
-            <a:r>
-              <a:rPr lang="id-ID" dirty="0" smtClean="0"/>
-              <a:t>Medis</a:t>
+              <a:rPr lang="en-US" dirty="0" smtClean="0"/>
+              <a:t>LATAR BELAKANG</a:t>
             </a:r>
             <a:endParaRPr lang="id-ID" dirty="0"/>
           </a:p>
@@ -6039,218 +5741,373 @@
             <p:ph idx="1"/>
           </p:nvPr>
         </p:nvSpPr>
-        <p:spPr/>
+        <p:spPr>
+          <a:xfrm>
+            <a:off x="701146" y="2091659"/>
+            <a:ext cx="10554574" cy="3636511"/>
+          </a:xfrm>
+        </p:spPr>
         <p:txBody>
           <a:bodyPr>
             <a:normAutofit/>
           </a:bodyPr>
           <a:lstStyle/>
           <a:p>
-            <a:r>
-              <a:rPr lang="id-ID" sz="2000" dirty="0">
+            <a:pPr marL="0" indent="0">
+              <a:buNone/>
+            </a:pPr>
+            <a:r>
+              <a:rPr lang="en-US" sz="3600" b="1" dirty="0" smtClean="0">
+                <a:effectLst>
+                  <a:outerShdw blurRad="38100" dist="38100" dir="2700000" algn="tl">
+                    <a:srgbClr val="000000">
+                      <a:alpha val="43137"/>
+                    </a:srgbClr>
+                  </a:outerShdw>
+                </a:effectLst>
                 <a:latin typeface="Times New Roman" panose="02020603050405020304" pitchFamily="18" charset="0"/>
                 <a:cs typeface="Times New Roman" panose="02020603050405020304" pitchFamily="18" charset="0"/>
               </a:rPr>
-              <a:t>Rekam medis adalah keterangan baik yang tertulis maupun terekam tentang identitas ,</a:t>
-            </a:r>
-            <a:br>
-              <a:rPr lang="id-ID" sz="2000" dirty="0">
+              <a:t>APA ITU REKAM MEDIS?</a:t>
+            </a:r>
+          </a:p>
+          <a:p>
+            <a:r>
+              <a:rPr lang="en-US" sz="3200" dirty="0" err="1" smtClean="0">
                 <a:latin typeface="Times New Roman" panose="02020603050405020304" pitchFamily="18" charset="0"/>
                 <a:cs typeface="Times New Roman" panose="02020603050405020304" pitchFamily="18" charset="0"/>
               </a:rPr>
-            </a:br>
-            <a:r>
-              <a:rPr lang="id-ID" sz="2000" dirty="0">
+              <a:t>Rekam</a:t>
+            </a:r>
+            <a:r>
+              <a:rPr lang="en-US" sz="3200" dirty="0" smtClean="0">
                 <a:latin typeface="Times New Roman" panose="02020603050405020304" pitchFamily="18" charset="0"/>
                 <a:cs typeface="Times New Roman" panose="02020603050405020304" pitchFamily="18" charset="0"/>
               </a:rPr>
-              <a:t>anamnesa,penentuan fisik , laboratorium, diagnosa segala pelayanan dan tindakan medik</a:t>
-            </a:r>
-            <a:br>
-              <a:rPr lang="id-ID" sz="2000" dirty="0">
+              <a:t> </a:t>
+            </a:r>
+            <a:r>
+              <a:rPr lang="en-US" sz="3200" dirty="0" err="1" smtClean="0">
                 <a:latin typeface="Times New Roman" panose="02020603050405020304" pitchFamily="18" charset="0"/>
                 <a:cs typeface="Times New Roman" panose="02020603050405020304" pitchFamily="18" charset="0"/>
               </a:rPr>
-            </a:br>
-            <a:r>
-              <a:rPr lang="id-ID" sz="2000" dirty="0">
+              <a:t>Medis</a:t>
+            </a:r>
+            <a:r>
+              <a:rPr lang="en-US" sz="3200" dirty="0" smtClean="0">
                 <a:latin typeface="Times New Roman" panose="02020603050405020304" pitchFamily="18" charset="0"/>
                 <a:cs typeface="Times New Roman" panose="02020603050405020304" pitchFamily="18" charset="0"/>
               </a:rPr>
-              <a:t>yang diberikan kepada pasien dan pengobatan baik yang dirawat inap , rawat jalan maupun</a:t>
-            </a:r>
-            <a:br>
-              <a:rPr lang="id-ID" sz="2000" dirty="0">
+              <a:t> </a:t>
+            </a:r>
+            <a:r>
+              <a:rPr lang="en-US" sz="3200" dirty="0" err="1" smtClean="0">
                 <a:latin typeface="Times New Roman" panose="02020603050405020304" pitchFamily="18" charset="0"/>
                 <a:cs typeface="Times New Roman" panose="02020603050405020304" pitchFamily="18" charset="0"/>
               </a:rPr>
-            </a:br>
-            <a:r>
-              <a:rPr lang="id-ID" sz="2000" dirty="0">
+              <a:t>adalah</a:t>
+            </a:r>
+            <a:r>
+              <a:rPr lang="en-US" sz="3200" dirty="0" smtClean="0">
                 <a:latin typeface="Times New Roman" panose="02020603050405020304" pitchFamily="18" charset="0"/>
                 <a:cs typeface="Times New Roman" panose="02020603050405020304" pitchFamily="18" charset="0"/>
               </a:rPr>
-              <a:t>yang mendapatkan pelayanan gawat </a:t>
-            </a:r>
-            <a:r>
-              <a:rPr lang="id-ID" sz="2000" dirty="0" smtClean="0">
+              <a:t> </a:t>
+            </a:r>
+            <a:r>
+              <a:rPr lang="en-US" sz="3200" dirty="0" err="1" smtClean="0">
+                <a:latin typeface="Times New Roman" panose="02020603050405020304" pitchFamily="18" charset="0"/>
+                <a:cs typeface="Times New Roman" panose="02020603050405020304" pitchFamily="18" charset="0"/>
+              </a:rPr>
+              <a:t>tempat</a:t>
+            </a:r>
+            <a:r>
+              <a:rPr lang="en-US" sz="3200" dirty="0" smtClean="0">
+                <a:latin typeface="Times New Roman" panose="02020603050405020304" pitchFamily="18" charset="0"/>
+                <a:cs typeface="Times New Roman" panose="02020603050405020304" pitchFamily="18" charset="0"/>
+              </a:rPr>
+              <a:t> </a:t>
+            </a:r>
+            <a:r>
+              <a:rPr lang="en-US" sz="3200" dirty="0" err="1" smtClean="0">
+                <a:latin typeface="Times New Roman" panose="02020603050405020304" pitchFamily="18" charset="0"/>
+                <a:cs typeface="Times New Roman" panose="02020603050405020304" pitchFamily="18" charset="0"/>
+              </a:rPr>
+              <a:t>penyimpanan</a:t>
+            </a:r>
+            <a:r>
+              <a:rPr lang="en-US" sz="3200" dirty="0" smtClean="0">
+                <a:latin typeface="Times New Roman" panose="02020603050405020304" pitchFamily="18" charset="0"/>
+                <a:cs typeface="Times New Roman" panose="02020603050405020304" pitchFamily="18" charset="0"/>
+              </a:rPr>
+              <a:t> </a:t>
+            </a:r>
+            <a:r>
+              <a:rPr lang="en-US" sz="3200" dirty="0" err="1" smtClean="0">
+                <a:latin typeface="Times New Roman" panose="02020603050405020304" pitchFamily="18" charset="0"/>
+                <a:cs typeface="Times New Roman" panose="02020603050405020304" pitchFamily="18" charset="0"/>
+              </a:rPr>
+              <a:t>identitas</a:t>
+            </a:r>
+            <a:r>
+              <a:rPr lang="en-US" sz="3200" dirty="0" smtClean="0">
+                <a:latin typeface="Times New Roman" panose="02020603050405020304" pitchFamily="18" charset="0"/>
+                <a:cs typeface="Times New Roman" panose="02020603050405020304" pitchFamily="18" charset="0"/>
+              </a:rPr>
+              <a:t>, </a:t>
+            </a:r>
+            <a:r>
+              <a:rPr lang="en-US" sz="3200" dirty="0" err="1" smtClean="0">
+                <a:latin typeface="Times New Roman" panose="02020603050405020304" pitchFamily="18" charset="0"/>
+                <a:cs typeface="Times New Roman" panose="02020603050405020304" pitchFamily="18" charset="0"/>
+              </a:rPr>
+              <a:t>diagnosa</a:t>
+            </a:r>
+            <a:r>
+              <a:rPr lang="en-US" sz="3200" dirty="0" smtClean="0">
+                <a:latin typeface="Times New Roman" panose="02020603050405020304" pitchFamily="18" charset="0"/>
+                <a:cs typeface="Times New Roman" panose="02020603050405020304" pitchFamily="18" charset="0"/>
+              </a:rPr>
+              <a:t>, </a:t>
+            </a:r>
+            <a:r>
+              <a:rPr lang="en-US" sz="3200" dirty="0" err="1" smtClean="0">
+                <a:latin typeface="Times New Roman" panose="02020603050405020304" pitchFamily="18" charset="0"/>
+                <a:cs typeface="Times New Roman" panose="02020603050405020304" pitchFamily="18" charset="0"/>
+              </a:rPr>
+              <a:t>keluhan</a:t>
+            </a:r>
+            <a:r>
+              <a:rPr lang="en-US" sz="3200" dirty="0" smtClean="0">
+                <a:latin typeface="Times New Roman" panose="02020603050405020304" pitchFamily="18" charset="0"/>
+                <a:cs typeface="Times New Roman" panose="02020603050405020304" pitchFamily="18" charset="0"/>
+              </a:rPr>
+              <a:t>, </a:t>
+            </a:r>
+            <a:r>
+              <a:rPr lang="en-US" sz="3200" dirty="0" err="1" smtClean="0">
+                <a:latin typeface="Times New Roman" panose="02020603050405020304" pitchFamily="18" charset="0"/>
+                <a:cs typeface="Times New Roman" panose="02020603050405020304" pitchFamily="18" charset="0"/>
+              </a:rPr>
+              <a:t>tindakan</a:t>
+            </a:r>
+            <a:r>
+              <a:rPr lang="en-US" sz="3200" dirty="0" smtClean="0">
+                <a:latin typeface="Times New Roman" panose="02020603050405020304" pitchFamily="18" charset="0"/>
+                <a:cs typeface="Times New Roman" panose="02020603050405020304" pitchFamily="18" charset="0"/>
+              </a:rPr>
+              <a:t> </a:t>
+            </a:r>
+            <a:r>
+              <a:rPr lang="en-US" sz="3200" dirty="0" err="1" smtClean="0">
+                <a:latin typeface="Times New Roman" panose="02020603050405020304" pitchFamily="18" charset="0"/>
+                <a:cs typeface="Times New Roman" panose="02020603050405020304" pitchFamily="18" charset="0"/>
+              </a:rPr>
+              <a:t>medik</a:t>
+            </a:r>
+            <a:r>
+              <a:rPr lang="en-US" sz="3200" dirty="0" smtClean="0">
+                <a:latin typeface="Times New Roman" panose="02020603050405020304" pitchFamily="18" charset="0"/>
+                <a:cs typeface="Times New Roman" panose="02020603050405020304" pitchFamily="18" charset="0"/>
+              </a:rPr>
+              <a:t>, </a:t>
+            </a:r>
+            <a:r>
+              <a:rPr lang="en-US" sz="3200" dirty="0" err="1" smtClean="0">
+                <a:latin typeface="Times New Roman" panose="02020603050405020304" pitchFamily="18" charset="0"/>
+                <a:cs typeface="Times New Roman" panose="02020603050405020304" pitchFamily="18" charset="0"/>
+              </a:rPr>
+              <a:t>laboratorium</a:t>
+            </a:r>
+            <a:r>
+              <a:rPr lang="en-US" sz="3200" dirty="0" smtClean="0">
+                <a:latin typeface="Times New Roman" panose="02020603050405020304" pitchFamily="18" charset="0"/>
+                <a:cs typeface="Times New Roman" panose="02020603050405020304" pitchFamily="18" charset="0"/>
+              </a:rPr>
+              <a:t> yang </a:t>
+            </a:r>
+            <a:r>
+              <a:rPr lang="en-US" sz="3200" dirty="0" err="1" smtClean="0">
+                <a:latin typeface="Times New Roman" panose="02020603050405020304" pitchFamily="18" charset="0"/>
+                <a:cs typeface="Times New Roman" panose="02020603050405020304" pitchFamily="18" charset="0"/>
+              </a:rPr>
+              <a:t>diberikan</a:t>
+            </a:r>
+            <a:r>
+              <a:rPr lang="en-US" sz="3200" dirty="0" smtClean="0">
+                <a:latin typeface="Times New Roman" panose="02020603050405020304" pitchFamily="18" charset="0"/>
+                <a:cs typeface="Times New Roman" panose="02020603050405020304" pitchFamily="18" charset="0"/>
+              </a:rPr>
+              <a:t> </a:t>
+            </a:r>
+            <a:r>
+              <a:rPr lang="en-US" sz="3200" dirty="0" err="1" smtClean="0">
+                <a:latin typeface="Times New Roman" panose="02020603050405020304" pitchFamily="18" charset="0"/>
+                <a:cs typeface="Times New Roman" panose="02020603050405020304" pitchFamily="18" charset="0"/>
+              </a:rPr>
+              <a:t>kepada</a:t>
+            </a:r>
+            <a:r>
+              <a:rPr lang="en-US" sz="3200" dirty="0" smtClean="0">
+                <a:latin typeface="Times New Roman" panose="02020603050405020304" pitchFamily="18" charset="0"/>
+                <a:cs typeface="Times New Roman" panose="02020603050405020304" pitchFamily="18" charset="0"/>
+              </a:rPr>
+              <a:t> </a:t>
+            </a:r>
+            <a:r>
+              <a:rPr lang="en-US" sz="3200" dirty="0" err="1" smtClean="0">
+                <a:latin typeface="Times New Roman" panose="02020603050405020304" pitchFamily="18" charset="0"/>
+                <a:cs typeface="Times New Roman" panose="02020603050405020304" pitchFamily="18" charset="0"/>
+              </a:rPr>
+              <a:t>pasien</a:t>
+            </a:r>
+            <a:r>
+              <a:rPr lang="en-US" sz="3200" dirty="0" smtClean="0">
+                <a:latin typeface="Times New Roman" panose="02020603050405020304" pitchFamily="18" charset="0"/>
+                <a:cs typeface="Times New Roman" panose="02020603050405020304" pitchFamily="18" charset="0"/>
+              </a:rPr>
+              <a:t> </a:t>
+            </a:r>
+            <a:r>
+              <a:rPr lang="en-US" sz="3200" dirty="0" err="1" smtClean="0">
+                <a:latin typeface="Times New Roman" panose="02020603050405020304" pitchFamily="18" charset="0"/>
+                <a:cs typeface="Times New Roman" panose="02020603050405020304" pitchFamily="18" charset="0"/>
+              </a:rPr>
+              <a:t>baik</a:t>
+            </a:r>
+            <a:r>
+              <a:rPr lang="en-US" sz="3200" dirty="0" smtClean="0">
+                <a:latin typeface="Times New Roman" panose="02020603050405020304" pitchFamily="18" charset="0"/>
+                <a:cs typeface="Times New Roman" panose="02020603050405020304" pitchFamily="18" charset="0"/>
+              </a:rPr>
+              <a:t> yang </a:t>
+            </a:r>
+            <a:r>
+              <a:rPr lang="en-US" sz="3200" dirty="0" err="1" smtClean="0">
+                <a:latin typeface="Times New Roman" panose="02020603050405020304" pitchFamily="18" charset="0"/>
+                <a:cs typeface="Times New Roman" panose="02020603050405020304" pitchFamily="18" charset="0"/>
+              </a:rPr>
+              <a:t>dirawat</a:t>
+            </a:r>
+            <a:r>
+              <a:rPr lang="en-US" sz="3200" dirty="0" smtClean="0">
+                <a:latin typeface="Times New Roman" panose="02020603050405020304" pitchFamily="18" charset="0"/>
+                <a:cs typeface="Times New Roman" panose="02020603050405020304" pitchFamily="18" charset="0"/>
+              </a:rPr>
+              <a:t> </a:t>
+            </a:r>
+            <a:r>
+              <a:rPr lang="en-US" sz="3200" dirty="0" err="1" smtClean="0">
+                <a:latin typeface="Times New Roman" panose="02020603050405020304" pitchFamily="18" charset="0"/>
+                <a:cs typeface="Times New Roman" panose="02020603050405020304" pitchFamily="18" charset="0"/>
+              </a:rPr>
+              <a:t>inap</a:t>
+            </a:r>
+            <a:r>
+              <a:rPr lang="en-US" sz="3200" dirty="0" smtClean="0">
+                <a:latin typeface="Times New Roman" panose="02020603050405020304" pitchFamily="18" charset="0"/>
+                <a:cs typeface="Times New Roman" panose="02020603050405020304" pitchFamily="18" charset="0"/>
+              </a:rPr>
+              <a:t>, </a:t>
+            </a:r>
+            <a:r>
+              <a:rPr lang="en-US" sz="3200" dirty="0" err="1" smtClean="0">
+                <a:latin typeface="Times New Roman" panose="02020603050405020304" pitchFamily="18" charset="0"/>
+                <a:cs typeface="Times New Roman" panose="02020603050405020304" pitchFamily="18" charset="0"/>
+              </a:rPr>
+              <a:t>rawat</a:t>
+            </a:r>
+            <a:r>
+              <a:rPr lang="en-US" sz="3200" dirty="0" smtClean="0">
+                <a:latin typeface="Times New Roman" panose="02020603050405020304" pitchFamily="18" charset="0"/>
+                <a:cs typeface="Times New Roman" panose="02020603050405020304" pitchFamily="18" charset="0"/>
+              </a:rPr>
+              <a:t> </a:t>
+            </a:r>
+            <a:r>
+              <a:rPr lang="en-US" sz="3200" dirty="0" err="1" smtClean="0">
+                <a:latin typeface="Times New Roman" panose="02020603050405020304" pitchFamily="18" charset="0"/>
+                <a:cs typeface="Times New Roman" panose="02020603050405020304" pitchFamily="18" charset="0"/>
+              </a:rPr>
+              <a:t>jalan</a:t>
+            </a:r>
+            <a:r>
+              <a:rPr lang="en-US" sz="3200" dirty="0" smtClean="0">
+                <a:latin typeface="Times New Roman" panose="02020603050405020304" pitchFamily="18" charset="0"/>
+                <a:cs typeface="Times New Roman" panose="02020603050405020304" pitchFamily="18" charset="0"/>
+              </a:rPr>
+              <a:t> </a:t>
+            </a:r>
+            <a:r>
+              <a:rPr lang="en-US" sz="3200" dirty="0" err="1" smtClean="0">
+                <a:latin typeface="Times New Roman" panose="02020603050405020304" pitchFamily="18" charset="0"/>
+                <a:cs typeface="Times New Roman" panose="02020603050405020304" pitchFamily="18" charset="0"/>
+              </a:rPr>
+              <a:t>maupun</a:t>
+            </a:r>
+            <a:r>
+              <a:rPr lang="en-US" sz="3200" dirty="0" smtClean="0">
+                <a:latin typeface="Times New Roman" panose="02020603050405020304" pitchFamily="18" charset="0"/>
+                <a:cs typeface="Times New Roman" panose="02020603050405020304" pitchFamily="18" charset="0"/>
+              </a:rPr>
+              <a:t> yang </a:t>
+            </a:r>
+            <a:r>
+              <a:rPr lang="en-US" sz="3200" dirty="0" err="1" smtClean="0">
+                <a:latin typeface="Times New Roman" panose="02020603050405020304" pitchFamily="18" charset="0"/>
+                <a:cs typeface="Times New Roman" panose="02020603050405020304" pitchFamily="18" charset="0"/>
+              </a:rPr>
+              <a:t>mendapatkan</a:t>
+            </a:r>
+            <a:r>
+              <a:rPr lang="en-US" sz="3200" dirty="0" smtClean="0">
+                <a:latin typeface="Times New Roman" panose="02020603050405020304" pitchFamily="18" charset="0"/>
+                <a:cs typeface="Times New Roman" panose="02020603050405020304" pitchFamily="18" charset="0"/>
+              </a:rPr>
+              <a:t> </a:t>
+            </a:r>
+            <a:r>
+              <a:rPr lang="en-US" sz="3200" dirty="0" err="1" smtClean="0">
+                <a:latin typeface="Times New Roman" panose="02020603050405020304" pitchFamily="18" charset="0"/>
+                <a:cs typeface="Times New Roman" panose="02020603050405020304" pitchFamily="18" charset="0"/>
+              </a:rPr>
+              <a:t>pelayanan</a:t>
+            </a:r>
+            <a:r>
+              <a:rPr lang="en-US" sz="3200" dirty="0" smtClean="0">
+                <a:latin typeface="Times New Roman" panose="02020603050405020304" pitchFamily="18" charset="0"/>
+                <a:cs typeface="Times New Roman" panose="02020603050405020304" pitchFamily="18" charset="0"/>
+              </a:rPr>
+              <a:t> </a:t>
+            </a:r>
+            <a:r>
+              <a:rPr lang="en-US" sz="3200" dirty="0" err="1" smtClean="0">
+                <a:latin typeface="Times New Roman" panose="02020603050405020304" pitchFamily="18" charset="0"/>
+                <a:cs typeface="Times New Roman" panose="02020603050405020304" pitchFamily="18" charset="0"/>
+              </a:rPr>
+              <a:t>gawat</a:t>
+            </a:r>
+            <a:r>
+              <a:rPr lang="en-US" sz="3200" dirty="0" smtClean="0">
+                <a:latin typeface="Times New Roman" panose="02020603050405020304" pitchFamily="18" charset="0"/>
+                <a:cs typeface="Times New Roman" panose="02020603050405020304" pitchFamily="18" charset="0"/>
+              </a:rPr>
+              <a:t> </a:t>
+            </a:r>
+            <a:r>
+              <a:rPr lang="en-US" sz="3200" dirty="0" err="1" smtClean="0">
                 <a:latin typeface="Times New Roman" panose="02020603050405020304" pitchFamily="18" charset="0"/>
                 <a:cs typeface="Times New Roman" panose="02020603050405020304" pitchFamily="18" charset="0"/>
               </a:rPr>
               <a:t>darurat</a:t>
             </a:r>
             <a:r>
-              <a:rPr lang="en-US" sz="2000" dirty="0" smtClean="0">
+              <a:rPr lang="en-US" sz="3200" dirty="0" smtClean="0">
                 <a:latin typeface="Times New Roman" panose="02020603050405020304" pitchFamily="18" charset="0"/>
                 <a:cs typeface="Times New Roman" panose="02020603050405020304" pitchFamily="18" charset="0"/>
               </a:rPr>
               <a:t>.</a:t>
             </a:r>
-          </a:p>
-          <a:p>
-            <a:r>
-              <a:rPr lang="id-ID" sz="2000" dirty="0" smtClean="0">
-                <a:latin typeface="Times New Roman" panose="02020603050405020304" pitchFamily="18" charset="0"/>
-                <a:cs typeface="Times New Roman" panose="02020603050405020304" pitchFamily="18" charset="0"/>
-              </a:rPr>
-              <a:t>Rekam </a:t>
-            </a:r>
-            <a:r>
-              <a:rPr lang="id-ID" sz="2000" dirty="0">
-                <a:latin typeface="Times New Roman" panose="02020603050405020304" pitchFamily="18" charset="0"/>
-                <a:cs typeface="Times New Roman" panose="02020603050405020304" pitchFamily="18" charset="0"/>
-              </a:rPr>
-              <a:t>medis mempunyai pengertian yang sangat luas , tidak hanya sekedar kegiatan</a:t>
-            </a:r>
-            <a:br>
-              <a:rPr lang="id-ID" sz="2000" dirty="0">
-                <a:latin typeface="Times New Roman" panose="02020603050405020304" pitchFamily="18" charset="0"/>
-                <a:cs typeface="Times New Roman" panose="02020603050405020304" pitchFamily="18" charset="0"/>
-              </a:rPr>
-            </a:br>
-            <a:r>
-              <a:rPr lang="id-ID" sz="2000" dirty="0">
-                <a:latin typeface="Times New Roman" panose="02020603050405020304" pitchFamily="18" charset="0"/>
-                <a:cs typeface="Times New Roman" panose="02020603050405020304" pitchFamily="18" charset="0"/>
-              </a:rPr>
-              <a:t>pencatatan, akan tetapi mempunyai pengertian sebagai suatu sistem penyelenggaraan </a:t>
-            </a:r>
-            <a:r>
-              <a:rPr lang="id-ID" sz="2000" dirty="0" smtClean="0">
-                <a:latin typeface="Times New Roman" panose="02020603050405020304" pitchFamily="18" charset="0"/>
-                <a:cs typeface="Times New Roman" panose="02020603050405020304" pitchFamily="18" charset="0"/>
-              </a:rPr>
-              <a:t>rekam</a:t>
-            </a:r>
-            <a:r>
-              <a:rPr lang="en-US" sz="2000" dirty="0" smtClean="0">
-                <a:latin typeface="Times New Roman" panose="02020603050405020304" pitchFamily="18" charset="0"/>
-                <a:cs typeface="Times New Roman" panose="02020603050405020304" pitchFamily="18" charset="0"/>
-              </a:rPr>
-              <a:t> </a:t>
-            </a:r>
-            <a:r>
-              <a:rPr lang="id-ID" sz="2000" dirty="0" smtClean="0">
-                <a:latin typeface="Times New Roman" panose="02020603050405020304" pitchFamily="18" charset="0"/>
-                <a:cs typeface="Times New Roman" panose="02020603050405020304" pitchFamily="18" charset="0"/>
-              </a:rPr>
-              <a:t>medis </a:t>
-            </a:r>
-            <a:r>
-              <a:rPr lang="id-ID" sz="2000" dirty="0">
-                <a:latin typeface="Times New Roman" panose="02020603050405020304" pitchFamily="18" charset="0"/>
-                <a:cs typeface="Times New Roman" panose="02020603050405020304" pitchFamily="18" charset="0"/>
-              </a:rPr>
-              <a:t>yaitu mulai pencatatan selama pasien mendapatkan pelayanan medik , </a:t>
-            </a:r>
-            <a:r>
-              <a:rPr lang="id-ID" sz="2000" dirty="0" smtClean="0">
-                <a:latin typeface="Times New Roman" panose="02020603050405020304" pitchFamily="18" charset="0"/>
-                <a:cs typeface="Times New Roman" panose="02020603050405020304" pitchFamily="18" charset="0"/>
-              </a:rPr>
-              <a:t>dilanjutkan</a:t>
-            </a:r>
-            <a:r>
-              <a:rPr lang="en-US" sz="2000" dirty="0" smtClean="0">
-                <a:latin typeface="Times New Roman" panose="02020603050405020304" pitchFamily="18" charset="0"/>
-                <a:cs typeface="Times New Roman" panose="02020603050405020304" pitchFamily="18" charset="0"/>
-              </a:rPr>
-              <a:t> </a:t>
-            </a:r>
-            <a:r>
-              <a:rPr lang="id-ID" sz="2000" dirty="0" smtClean="0">
-                <a:latin typeface="Times New Roman" panose="02020603050405020304" pitchFamily="18" charset="0"/>
-                <a:cs typeface="Times New Roman" panose="02020603050405020304" pitchFamily="18" charset="0"/>
-              </a:rPr>
-              <a:t>dengan </a:t>
-            </a:r>
-            <a:r>
-              <a:rPr lang="id-ID" sz="2000" dirty="0">
-                <a:latin typeface="Times New Roman" panose="02020603050405020304" pitchFamily="18" charset="0"/>
-                <a:cs typeface="Times New Roman" panose="02020603050405020304" pitchFamily="18" charset="0"/>
-              </a:rPr>
-              <a:t>penanganan berkas rekam medis yang meliputi penyelenggaraan penyimpanan </a:t>
-            </a:r>
-            <a:r>
-              <a:rPr lang="id-ID" sz="2000" dirty="0" smtClean="0">
-                <a:latin typeface="Times New Roman" panose="02020603050405020304" pitchFamily="18" charset="0"/>
-                <a:cs typeface="Times New Roman" panose="02020603050405020304" pitchFamily="18" charset="0"/>
-              </a:rPr>
-              <a:t>serta</a:t>
-            </a:r>
-            <a:r>
-              <a:rPr lang="en-US" sz="2000" dirty="0" smtClean="0">
-                <a:latin typeface="Times New Roman" panose="02020603050405020304" pitchFamily="18" charset="0"/>
-                <a:cs typeface="Times New Roman" panose="02020603050405020304" pitchFamily="18" charset="0"/>
-              </a:rPr>
-              <a:t> </a:t>
-            </a:r>
-            <a:r>
-              <a:rPr lang="id-ID" sz="2000" dirty="0" smtClean="0">
-                <a:latin typeface="Times New Roman" panose="02020603050405020304" pitchFamily="18" charset="0"/>
-                <a:cs typeface="Times New Roman" panose="02020603050405020304" pitchFamily="18" charset="0"/>
-              </a:rPr>
-              <a:t>pengeluaran </a:t>
-            </a:r>
-            <a:r>
-              <a:rPr lang="id-ID" sz="2000" dirty="0">
-                <a:latin typeface="Times New Roman" panose="02020603050405020304" pitchFamily="18" charset="0"/>
-                <a:cs typeface="Times New Roman" panose="02020603050405020304" pitchFamily="18" charset="0"/>
-              </a:rPr>
-              <a:t>berkas dari tempat penyimpanan untuk melayani </a:t>
-            </a:r>
-            <a:r>
-              <a:rPr lang="id-ID" sz="2000" dirty="0" smtClean="0">
-                <a:latin typeface="Times New Roman" panose="02020603050405020304" pitchFamily="18" charset="0"/>
-                <a:cs typeface="Times New Roman" panose="02020603050405020304" pitchFamily="18" charset="0"/>
-              </a:rPr>
-              <a:t>permintaan/peminjaman</a:t>
-            </a:r>
-            <a:r>
-              <a:rPr lang="en-US" sz="2000" dirty="0" smtClean="0">
-                <a:latin typeface="Times New Roman" panose="02020603050405020304" pitchFamily="18" charset="0"/>
-                <a:cs typeface="Times New Roman" panose="02020603050405020304" pitchFamily="18" charset="0"/>
-              </a:rPr>
-              <a:t> </a:t>
-            </a:r>
-            <a:r>
-              <a:rPr lang="id-ID" sz="2000" dirty="0" smtClean="0">
-                <a:latin typeface="Times New Roman" panose="02020603050405020304" pitchFamily="18" charset="0"/>
-                <a:cs typeface="Times New Roman" panose="02020603050405020304" pitchFamily="18" charset="0"/>
-              </a:rPr>
-              <a:t>apabila </a:t>
-            </a:r>
-            <a:r>
-              <a:rPr lang="id-ID" sz="2000" dirty="0">
-                <a:latin typeface="Times New Roman" panose="02020603050405020304" pitchFamily="18" charset="0"/>
-                <a:cs typeface="Times New Roman" panose="02020603050405020304" pitchFamily="18" charset="0"/>
-              </a:rPr>
-              <a:t>dari pasien atau untuk keperluan lainnya</a:t>
-            </a:r>
-            <a:endParaRPr lang="id-ID" sz="2000" dirty="0">
-              <a:latin typeface="Times New Roman" panose="02020603050405020304" pitchFamily="18" charset="0"/>
-              <a:cs typeface="Times New Roman" panose="02020603050405020304" pitchFamily="18" charset="0"/>
-            </a:endParaRPr>
           </a:p>
         </p:txBody>
       </p:sp>
@@ -6264,10 +6121,97 @@
   <p:clrMapOvr>
     <a:masterClrMapping/>
   </p:clrMapOvr>
+  <p:transition spd="med">
+    <p:pull/>
+  </p:transition>
   <p:timing>
     <p:tnLst>
       <p:par>
-        <p:cTn id="1" dur="indefinite" restart="never" nodeType="tmRoot"/>
+        <p:cTn id="1" dur="indefinite" restart="never" nodeType="tmRoot">
+          <p:childTnLst>
+            <p:seq concurrent="1" nextAc="seek">
+              <p:cTn id="2" dur="indefinite" nodeType="mainSeq">
+                <p:childTnLst>
+                  <p:par>
+                    <p:cTn id="3" fill="hold">
+                      <p:stCondLst>
+                        <p:cond delay="indefinite"/>
+                      </p:stCondLst>
+                      <p:childTnLst>
+                        <p:par>
+                          <p:cTn id="4" fill="hold">
+                            <p:stCondLst>
+                              <p:cond delay="0"/>
+                            </p:stCondLst>
+                            <p:childTnLst>
+                              <p:par>
+                                <p:cTn id="5" presetID="10" presetClass="entr" presetSubtype="0" fill="hold" nodeType="clickEffect">
+                                  <p:stCondLst>
+                                    <p:cond delay="0"/>
+                                  </p:stCondLst>
+                                  <p:childTnLst>
+                                    <p:set>
+                                      <p:cBhvr>
+                                        <p:cTn id="6" dur="1" fill="hold">
+                                          <p:stCondLst>
+                                            <p:cond delay="0"/>
+                                          </p:stCondLst>
+                                        </p:cTn>
+                                        <p:tgtEl>
+                                          <p:spTgt spid="3">
+                                            <p:txEl>
+                                              <p:pRg st="1" end="1"/>
+                                            </p:txEl>
+                                          </p:spTgt>
+                                        </p:tgtEl>
+                                        <p:attrNameLst>
+                                          <p:attrName>style.visibility</p:attrName>
+                                        </p:attrNameLst>
+                                      </p:cBhvr>
+                                      <p:to>
+                                        <p:strVal val="visible"/>
+                                      </p:to>
+                                    </p:set>
+                                    <p:animEffect transition="in" filter="fade">
+                                      <p:cBhvr>
+                                        <p:cTn id="7" dur="500"/>
+                                        <p:tgtEl>
+                                          <p:spTgt spid="3">
+                                            <p:txEl>
+                                              <p:pRg st="1" end="1"/>
+                                            </p:txEl>
+                                          </p:spTgt>
+                                        </p:tgtEl>
+                                      </p:cBhvr>
+                                    </p:animEffect>
+                                  </p:childTnLst>
+                                </p:cTn>
+                              </p:par>
+                            </p:childTnLst>
+                          </p:cTn>
+                        </p:par>
+                      </p:childTnLst>
+                    </p:cTn>
+                  </p:par>
+                </p:childTnLst>
+              </p:cTn>
+              <p:prevCondLst>
+                <p:cond evt="onPrev" delay="0">
+                  <p:tgtEl>
+                    <p:sldTgt/>
+                  </p:tgtEl>
+                </p:cond>
+              </p:prevCondLst>
+              <p:nextCondLst>
+                <p:cond evt="onNext" delay="0">
+                  <p:tgtEl>
+                    <p:sldTgt/>
+                  </p:tgtEl>
+                </p:cond>
+              </p:nextCondLst>
+            </p:seq>
+          </p:childTnLst>
+        </p:cTn>
       </p:par>
     </p:tnLst>
   </p:timing>
@@ -6307,12 +6251,24 @@
           <a:lstStyle/>
           <a:p>
             <a:r>
-              <a:rPr lang="id-ID" dirty="0"/>
-              <a:t>Penyelenggaraan Rekam </a:t>
-            </a:r>
-            <a:r>
-              <a:rPr lang="id-ID" dirty="0" smtClean="0"/>
-              <a:t>Medis</a:t>
+              <a:rPr lang="en-US" dirty="0" err="1" smtClean="0"/>
+              <a:t>Perangkat</a:t>
+            </a:r>
+            <a:r>
+              <a:rPr lang="en-US" dirty="0" smtClean="0"/>
+              <a:t> </a:t>
+            </a:r>
+            <a:r>
+              <a:rPr lang="en-US" dirty="0" err="1" smtClean="0"/>
+              <a:t>Lunak</a:t>
+            </a:r>
+            <a:r>
+              <a:rPr lang="en-US" dirty="0" smtClean="0"/>
+              <a:t> </a:t>
+            </a:r>
+            <a:r>
+              <a:rPr lang="en-US" dirty="0" err="1" smtClean="0"/>
+              <a:t>Pendukung</a:t>
             </a:r>
             <a:endParaRPr lang="id-ID" dirty="0"/>
           </a:p>
@@ -6328,12 +6284,7 @@
             <p:ph idx="1"/>
           </p:nvPr>
         </p:nvSpPr>
-        <p:spPr>
-          <a:xfrm>
-            <a:off x="818712" y="2535795"/>
-            <a:ext cx="10554574" cy="3636511"/>
-          </a:xfrm>
-        </p:spPr>
+        <p:spPr/>
         <p:txBody>
           <a:bodyPr>
             <a:normAutofit/>
@@ -6341,66 +6292,586 @@
           <a:lstStyle/>
           <a:p>
             <a:r>
-              <a:rPr lang="id-ID" sz="2400" dirty="0">
-                <a:latin typeface="Times New Roman" panose="02020603050405020304" pitchFamily="18" charset="0"/>
-                <a:cs typeface="Times New Roman" panose="02020603050405020304" pitchFamily="18" charset="0"/>
-              </a:rPr>
-              <a:t>Penyelenggaraan Rekam Medis pada suatu sarana pelayanan kesehatan merupakan salah satu indikator mutu pelayanan pada institusi tersebut. Berdasarkan data pada Rekam Medis tersebut akan dapat dinilai apakah pelayanan yang diberikan sudah cukup baik mutunya atau tidak, serta apakah sudah sesuai standar atau tidak</a:t>
-            </a:r>
-            <a:r>
-              <a:rPr lang="id-ID" sz="2400" dirty="0" smtClean="0">
-                <a:latin typeface="Times New Roman" panose="02020603050405020304" pitchFamily="18" charset="0"/>
-                <a:cs typeface="Times New Roman" panose="02020603050405020304" pitchFamily="18" charset="0"/>
-              </a:rPr>
-              <a:t>.</a:t>
-            </a:r>
-            <a:endParaRPr lang="en-US" sz="2400" dirty="0" smtClean="0">
-              <a:latin typeface="Times New Roman" panose="02020603050405020304" pitchFamily="18" charset="0"/>
-              <a:cs typeface="Times New Roman" panose="02020603050405020304" pitchFamily="18" charset="0"/>
-            </a:endParaRPr>
-          </a:p>
-          <a:p>
-            <a:r>
-              <a:rPr lang="id-ID" sz="2400" dirty="0">
-                <a:latin typeface="Times New Roman" panose="02020603050405020304" pitchFamily="18" charset="0"/>
-                <a:cs typeface="Times New Roman" panose="02020603050405020304" pitchFamily="18" charset="0"/>
-              </a:rPr>
-              <a:t>Untuk itulah, maka pemerintah, dalam hal ini Departemen Kesehatan merasa perlu mengatur tata cara penyelenggaraan Rekam Medis dalam suatu peraturan menteri keehatan agar jelas rambu-rambunya, yaitu berupa Permenkes No.749a1Menkes/Per/XII/1989</a:t>
-            </a:r>
-            <a:r>
-              <a:rPr lang="id-ID" sz="2400" dirty="0" smtClean="0">
-                <a:latin typeface="Times New Roman" panose="02020603050405020304" pitchFamily="18" charset="0"/>
-                <a:cs typeface="Times New Roman" panose="02020603050405020304" pitchFamily="18" charset="0"/>
-              </a:rPr>
-              <a:t>.</a:t>
-            </a:r>
-            <a:endParaRPr lang="id-ID" sz="2400" dirty="0">
-              <a:latin typeface="Times New Roman" panose="02020603050405020304" pitchFamily="18" charset="0"/>
-              <a:cs typeface="Times New Roman" panose="02020603050405020304" pitchFamily="18" charset="0"/>
-            </a:endParaRPr>
-          </a:p>
-          <a:p>
-            <a:endParaRPr lang="id-ID" sz="2400" dirty="0">
-              <a:latin typeface="Times New Roman" panose="02020603050405020304" pitchFamily="18" charset="0"/>
-              <a:cs typeface="Times New Roman" panose="02020603050405020304" pitchFamily="18" charset="0"/>
-            </a:endParaRPr>
-          </a:p>
-        </p:txBody>
-      </p:sp>
+              <a:rPr lang="en-US" sz="4000" dirty="0" smtClean="0"/>
+              <a:t>WEB Server </a:t>
+            </a:r>
+          </a:p>
+          <a:p>
+            <a:r>
+              <a:rPr lang="en-US" sz="4000" dirty="0" smtClean="0"/>
+              <a:t>Database </a:t>
+            </a:r>
+          </a:p>
+          <a:p>
+            <a:r>
+              <a:rPr lang="en-US" sz="4000" dirty="0"/>
+              <a:t>APP Developer </a:t>
+            </a:r>
+            <a:r>
+              <a:rPr lang="en-US" sz="4000" dirty="0" smtClean="0"/>
+              <a:t>          &amp;</a:t>
+            </a:r>
+            <a:endParaRPr lang="en-US" sz="4000" dirty="0"/>
+          </a:p>
+        </p:txBody>
+      </p:sp>
+      <p:pic>
+        <p:nvPicPr>
+          <p:cNvPr id="4" name="Picture 3"/>
+          <p:cNvPicPr>
+            <a:picLocks noChangeAspect="1"/>
+          </p:cNvPicPr>
+          <p:nvPr/>
+        </p:nvPicPr>
+        <p:blipFill>
+          <a:blip r:embed="rId2">
+            <a:extLst>
+              <a:ext uri="{28A0092B-C50C-407E-A947-70E740481C1C}">
+                <a14:useLocalDpi xmlns:a14="http://schemas.microsoft.com/office/drawing/2010/main" val="0"/>
+              </a:ext>
+            </a:extLst>
+          </a:blip>
+          <a:stretch>
+            <a:fillRect/>
+          </a:stretch>
+        </p:blipFill>
+        <p:spPr>
+          <a:xfrm>
+            <a:off x="4517681" y="2947208"/>
+            <a:ext cx="857794" cy="643345"/>
+          </a:xfrm>
+          <a:prstGeom prst="rect">
+            <a:avLst/>
+          </a:prstGeom>
+        </p:spPr>
+      </p:pic>
+      <p:pic>
+        <p:nvPicPr>
+          <p:cNvPr id="5" name="Picture 4"/>
+          <p:cNvPicPr>
+            <a:picLocks noChangeAspect="1"/>
+          </p:cNvPicPr>
+          <p:nvPr/>
+        </p:nvPicPr>
+        <p:blipFill>
+          <a:blip r:embed="rId3">
+            <a:extLst>
+              <a:ext uri="{28A0092B-C50C-407E-A947-70E740481C1C}">
+                <a14:useLocalDpi xmlns:a14="http://schemas.microsoft.com/office/drawing/2010/main" val="0"/>
+              </a:ext>
+            </a:extLst>
+          </a:blip>
+          <a:stretch>
+            <a:fillRect/>
+          </a:stretch>
+        </p:blipFill>
+        <p:spPr>
+          <a:xfrm>
+            <a:off x="4485023" y="3698965"/>
+            <a:ext cx="890452" cy="704500"/>
+          </a:xfrm>
+          <a:prstGeom prst="rect">
+            <a:avLst/>
+          </a:prstGeom>
+        </p:spPr>
+      </p:pic>
+      <p:pic>
+        <p:nvPicPr>
+          <p:cNvPr id="6" name="Picture 5"/>
+          <p:cNvPicPr>
+            <a:picLocks noChangeAspect="1"/>
+          </p:cNvPicPr>
+          <p:nvPr/>
+        </p:nvPicPr>
+        <p:blipFill>
+          <a:blip r:embed="rId4">
+            <a:extLst>
+              <a:ext uri="{28A0092B-C50C-407E-A947-70E740481C1C}">
+                <a14:useLocalDpi xmlns:a14="http://schemas.microsoft.com/office/drawing/2010/main" val="0"/>
+              </a:ext>
+            </a:extLst>
+          </a:blip>
+          <a:stretch>
+            <a:fillRect/>
+          </a:stretch>
+        </p:blipFill>
+        <p:spPr>
+          <a:xfrm>
+            <a:off x="5559443" y="4552406"/>
+            <a:ext cx="655320" cy="655320"/>
+          </a:xfrm>
+          <a:prstGeom prst="rect">
+            <a:avLst/>
+          </a:prstGeom>
+        </p:spPr>
+      </p:pic>
+      <p:pic>
+        <p:nvPicPr>
+          <p:cNvPr id="7" name="Picture 6"/>
+          <p:cNvPicPr>
+            <a:picLocks noChangeAspect="1"/>
+          </p:cNvPicPr>
+          <p:nvPr/>
+        </p:nvPicPr>
+        <p:blipFill>
+          <a:blip r:embed="rId5">
+            <a:extLst>
+              <a:ext uri="{28A0092B-C50C-407E-A947-70E740481C1C}">
+                <a14:useLocalDpi xmlns:a14="http://schemas.microsoft.com/office/drawing/2010/main" val="0"/>
+              </a:ext>
+            </a:extLst>
+          </a:blip>
+          <a:stretch>
+            <a:fillRect/>
+          </a:stretch>
+        </p:blipFill>
+        <p:spPr>
+          <a:xfrm>
+            <a:off x="7672251" y="4550229"/>
+            <a:ext cx="622663" cy="622663"/>
+          </a:xfrm>
+          <a:prstGeom prst="rect">
+            <a:avLst/>
+          </a:prstGeom>
+        </p:spPr>
+      </p:pic>
+      <p:pic>
+        <p:nvPicPr>
+          <p:cNvPr id="8" name="Picture 7"/>
+          <p:cNvPicPr>
+            <a:picLocks noChangeAspect="1"/>
+          </p:cNvPicPr>
+          <p:nvPr/>
+        </p:nvPicPr>
+        <p:blipFill>
+          <a:blip r:embed="rId6">
+            <a:extLst>
+              <a:ext uri="{28A0092B-C50C-407E-A947-70E740481C1C}">
+                <a14:useLocalDpi xmlns:a14="http://schemas.microsoft.com/office/drawing/2010/main" val="0"/>
+              </a:ext>
+            </a:extLst>
+          </a:blip>
+          <a:stretch>
+            <a:fillRect/>
+          </a:stretch>
+        </p:blipFill>
+        <p:spPr>
+          <a:xfrm>
+            <a:off x="6570618" y="3284119"/>
+            <a:ext cx="888274" cy="888274"/>
+          </a:xfrm>
+          <a:prstGeom prst="rect">
+            <a:avLst/>
+          </a:prstGeom>
+        </p:spPr>
+      </p:pic>
+      <p:cxnSp>
+        <p:nvCxnSpPr>
+          <p:cNvPr id="10" name="Elbow Connector 9"/>
+          <p:cNvCxnSpPr/>
+          <p:nvPr/>
+        </p:nvCxnSpPr>
+        <p:spPr>
+          <a:xfrm>
+            <a:off x="5429903" y="3235682"/>
+            <a:ext cx="1088463" cy="526421"/>
+          </a:xfrm>
+          <a:prstGeom prst="bentConnector3">
+            <a:avLst/>
+          </a:prstGeom>
+          <a:ln>
+            <a:tailEnd type="triangle"/>
+          </a:ln>
+        </p:spPr>
+        <p:style>
+          <a:lnRef idx="1">
+            <a:schemeClr val="accent1"/>
+          </a:lnRef>
+          <a:fillRef idx="0">
+            <a:schemeClr val="accent1"/>
+          </a:fillRef>
+          <a:effectRef idx="0">
+            <a:schemeClr val="accent1"/>
+          </a:effectRef>
+          <a:fontRef idx="minor">
+            <a:schemeClr val="tx1"/>
+          </a:fontRef>
+        </p:style>
+      </p:cxnSp>
+      <p:cxnSp>
+        <p:nvCxnSpPr>
+          <p:cNvPr id="14" name="Elbow Connector 13"/>
+          <p:cNvCxnSpPr/>
+          <p:nvPr/>
+        </p:nvCxnSpPr>
+        <p:spPr>
+          <a:xfrm flipV="1">
+            <a:off x="5375475" y="3762103"/>
+            <a:ext cx="1142891" cy="278440"/>
+          </a:xfrm>
+          <a:prstGeom prst="bentConnector3">
+            <a:avLst>
+              <a:gd name="adj1" fmla="val 50000"/>
+            </a:avLst>
+          </a:prstGeom>
+          <a:ln>
+            <a:tailEnd type="triangle"/>
+          </a:ln>
+        </p:spPr>
+        <p:style>
+          <a:lnRef idx="1">
+            <a:schemeClr val="accent1"/>
+          </a:lnRef>
+          <a:fillRef idx="0">
+            <a:schemeClr val="accent1"/>
+          </a:fillRef>
+          <a:effectRef idx="0">
+            <a:schemeClr val="accent1"/>
+          </a:effectRef>
+          <a:fontRef idx="minor">
+            <a:schemeClr val="tx1"/>
+          </a:fontRef>
+        </p:style>
+      </p:cxnSp>
     </p:spTree>
     <p:extLst>
       <p:ext uri="{BB962C8B-B14F-4D97-AF65-F5344CB8AC3E}">
-        <p14:creationId xmlns:p14="http://schemas.microsoft.com/office/powerpoint/2010/main" val="2146456088"/>
+        <p14:creationId xmlns:p14="http://schemas.microsoft.com/office/powerpoint/2010/main" val="4072350588"/>
       </p:ext>
     </p:extLst>
   </p:cSld>
   <p:clrMapOvr>
     <a:masterClrMapping/>
   </p:clrMapOvr>
+  <p:transition spd="slow">
+    <p:wipe/>
+  </p:transition>
   <p:timing>
     <p:tnLst>
       <p:par>
-        <p:cTn id="1" dur="indefinite" restart="never" nodeType="tmRoot"/>
+        <p:cTn id="1" dur="indefinite" restart="never" nodeType="tmRoot">
+          <p:childTnLst>
+            <p:seq concurrent="1" nextAc="seek">
+              <p:cTn id="2" dur="indefinite" nodeType="mainSeq">
+                <p:childTnLst>
+                  <p:par>
+                    <p:cTn id="3" fill="hold">
+                      <p:stCondLst>
+                        <p:cond delay="indefinite"/>
+                      </p:stCondLst>
+                      <p:childTnLst>
+                        <p:par>
+                          <p:cTn id="4" fill="hold">
+                            <p:stCondLst>
+                              <p:cond delay="0"/>
+                            </p:stCondLst>
+                            <p:childTnLst>
+                              <p:par>
+                                <p:cTn id="5" presetID="16" presetClass="entr" presetSubtype="21" fill="hold" nodeType="clickEffect">
+                                  <p:stCondLst>
+                                    <p:cond delay="0"/>
+                                  </p:stCondLst>
+                                  <p:childTnLst>
+                                    <p:set>
+                                      <p:cBhvr>
+                                        <p:cTn id="6" dur="1" fill="hold">
+                                          <p:stCondLst>
+                                            <p:cond delay="0"/>
+                                          </p:stCondLst>
+                                        </p:cTn>
+                                        <p:tgtEl>
+                                          <p:spTgt spid="4"/>
+                                        </p:tgtEl>
+                                        <p:attrNameLst>
+                                          <p:attrName>style.visibility</p:attrName>
+                                        </p:attrNameLst>
+                                      </p:cBhvr>
+                                      <p:to>
+                                        <p:strVal val="visible"/>
+                                      </p:to>
+                                    </p:set>
+                                    <p:animEffect transition="in" filter="barn(inVertical)">
+                                      <p:cBhvr>
+                                        <p:cTn id="7" dur="500"/>
+                                        <p:tgtEl>
+                                          <p:spTgt spid="4"/>
+                                        </p:tgtEl>
+                                      </p:cBhvr>
+                                    </p:animEffect>
+                                  </p:childTnLst>
+                                </p:cTn>
+                              </p:par>
+                              <p:par>
+                                <p:cTn id="8" presetID="16" presetClass="entr" presetSubtype="21" fill="hold" nodeType="withEffect">
+                                  <p:stCondLst>
+                                    <p:cond delay="0"/>
+                                  </p:stCondLst>
+                                  <p:childTnLst>
+                                    <p:set>
+                                      <p:cBhvr>
+                                        <p:cTn id="9" dur="1" fill="hold">
+                                          <p:stCondLst>
+                                            <p:cond delay="0"/>
+                                          </p:stCondLst>
+                                        </p:cTn>
+                                        <p:tgtEl>
+                                          <p:spTgt spid="5"/>
+                                        </p:tgtEl>
+                                        <p:attrNameLst>
+                                          <p:attrName>style.visibility</p:attrName>
+                                        </p:attrNameLst>
+                                      </p:cBhvr>
+                                      <p:to>
+                                        <p:strVal val="visible"/>
+                                      </p:to>
+                                    </p:set>
+                                    <p:animEffect transition="in" filter="barn(inVertical)">
+                                      <p:cBhvr>
+                                        <p:cTn id="10" dur="500"/>
+                                        <p:tgtEl>
+                                          <p:spTgt spid="5"/>
+                                        </p:tgtEl>
+                                      </p:cBhvr>
+                                    </p:animEffect>
+                                  </p:childTnLst>
+                                </p:cTn>
+                              </p:par>
+                              <p:par>
+                                <p:cTn id="11" presetID="16" presetClass="entr" presetSubtype="21" fill="hold" nodeType="withEffect">
+                                  <p:stCondLst>
+                                    <p:cond delay="0"/>
+                                  </p:stCondLst>
+                                  <p:childTnLst>
+                                    <p:set>
+                                      <p:cBhvr>
+                                        <p:cTn id="12" dur="1" fill="hold">
+                                          <p:stCondLst>
+                                            <p:cond delay="0"/>
+                                          </p:stCondLst>
+                                        </p:cTn>
+                                        <p:tgtEl>
+                                          <p:spTgt spid="8"/>
+                                        </p:tgtEl>
+                                        <p:attrNameLst>
+                                          <p:attrName>style.visibility</p:attrName>
+                                        </p:attrNameLst>
+                                      </p:cBhvr>
+                                      <p:to>
+                                        <p:strVal val="visible"/>
+                                      </p:to>
+                                    </p:set>
+                                    <p:animEffect transition="in" filter="barn(inVertical)">
+                                      <p:cBhvr>
+                                        <p:cTn id="13" dur="500"/>
+                                        <p:tgtEl>
+                                          <p:spTgt spid="8"/>
+                                        </p:tgtEl>
+                                      </p:cBhvr>
+                                    </p:animEffect>
+                                  </p:childTnLst>
+                                </p:cTn>
+                              </p:par>
+                              <p:par>
+                                <p:cTn id="14" presetID="16" presetClass="entr" presetSubtype="21" fill="hold" nodeType="withEffect">
+                                  <p:stCondLst>
+                                    <p:cond delay="0"/>
+                                  </p:stCondLst>
+                                  <p:childTnLst>
+                                    <p:set>
+                                      <p:cBhvr>
+                                        <p:cTn id="15" dur="1" fill="hold">
+                                          <p:stCondLst>
+                                            <p:cond delay="0"/>
+                                          </p:stCondLst>
+                                        </p:cTn>
+                                        <p:tgtEl>
+                                          <p:spTgt spid="14"/>
+                                        </p:tgtEl>
+                                        <p:attrNameLst>
+                                          <p:attrName>style.visibility</p:attrName>
+                                        </p:attrNameLst>
+                                      </p:cBhvr>
+                                      <p:to>
+                                        <p:strVal val="visible"/>
+                                      </p:to>
+                                    </p:set>
+                                    <p:animEffect transition="in" filter="barn(inVertical)">
+                                      <p:cBhvr>
+                                        <p:cTn id="16" dur="500"/>
+                                        <p:tgtEl>
+                                          <p:spTgt spid="14"/>
+                                        </p:tgtEl>
+                                      </p:cBhvr>
+                                    </p:animEffect>
+                                  </p:childTnLst>
+                                </p:cTn>
+                              </p:par>
+                              <p:par>
+                                <p:cTn id="17" presetID="16" presetClass="entr" presetSubtype="21" fill="hold" nodeType="withEffect">
+                                  <p:stCondLst>
+                                    <p:cond delay="0"/>
+                                  </p:stCondLst>
+                                  <p:childTnLst>
+                                    <p:set>
+                                      <p:cBhvr>
+                                        <p:cTn id="18" dur="1" fill="hold">
+                                          <p:stCondLst>
+                                            <p:cond delay="0"/>
+                                          </p:stCondLst>
+                                        </p:cTn>
+                                        <p:tgtEl>
+                                          <p:spTgt spid="10"/>
+                                        </p:tgtEl>
+                                        <p:attrNameLst>
+                                          <p:attrName>style.visibility</p:attrName>
+                                        </p:attrNameLst>
+                                      </p:cBhvr>
+                                      <p:to>
+                                        <p:strVal val="visible"/>
+                                      </p:to>
+                                    </p:set>
+                                    <p:animEffect transition="in" filter="barn(inVertical)">
+                                      <p:cBhvr>
+                                        <p:cTn id="19" dur="500"/>
+                                        <p:tgtEl>
+                                          <p:spTgt spid="10"/>
+                                        </p:tgtEl>
+                                      </p:cBhvr>
+                                    </p:animEffect>
+                                  </p:childTnLst>
+                                </p:cTn>
+                              </p:par>
+                            </p:childTnLst>
+                          </p:cTn>
+                        </p:par>
+                      </p:childTnLst>
+                    </p:cTn>
+                  </p:par>
+                  <p:par>
+                    <p:cTn id="20" fill="hold">
+                      <p:stCondLst>
+                        <p:cond delay="indefinite"/>
+                      </p:stCondLst>
+                      <p:childTnLst>
+                        <p:par>
+                          <p:cTn id="21" fill="hold">
+                            <p:stCondLst>
+                              <p:cond delay="0"/>
+                            </p:stCondLst>
+                            <p:childTnLst>
+                              <p:par>
+                                <p:cTn id="22" presetID="22" presetClass="entr" presetSubtype="4" fill="hold" nodeType="clickEffect">
+                                  <p:stCondLst>
+                                    <p:cond delay="0"/>
+                                  </p:stCondLst>
+                                  <p:childTnLst>
+                                    <p:set>
+                                      <p:cBhvr>
+                                        <p:cTn id="23" dur="1" fill="hold">
+                                          <p:stCondLst>
+                                            <p:cond delay="0"/>
+                                          </p:stCondLst>
+                                        </p:cTn>
+                                        <p:tgtEl>
+                                          <p:spTgt spid="6"/>
+                                        </p:tgtEl>
+                                        <p:attrNameLst>
+                                          <p:attrName>style.visibility</p:attrName>
+                                        </p:attrNameLst>
+                                      </p:cBhvr>
+                                      <p:to>
+                                        <p:strVal val="visible"/>
+                                      </p:to>
+                                    </p:set>
+                                    <p:animEffect transition="in" filter="wipe(down)">
+                                      <p:cBhvr>
+                                        <p:cTn id="24" dur="500"/>
+                                        <p:tgtEl>
+                                          <p:spTgt spid="6"/>
+                                        </p:tgtEl>
+                                      </p:cBhvr>
+                                    </p:animEffect>
+                                  </p:childTnLst>
+                                </p:cTn>
+                              </p:par>
+                            </p:childTnLst>
+                          </p:cTn>
+                        </p:par>
+                      </p:childTnLst>
+                    </p:cTn>
+                  </p:par>
+                  <p:par>
+                    <p:cTn id="25" fill="hold">
+                      <p:stCondLst>
+                        <p:cond delay="indefinite"/>
+                      </p:stCondLst>
+                      <p:childTnLst>
+                        <p:par>
+                          <p:cTn id="26" fill="hold">
+                            <p:stCondLst>
+                              <p:cond delay="0"/>
+                            </p:stCondLst>
+                            <p:childTnLst>
+                              <p:par>
+                                <p:cTn id="27" presetID="14" presetClass="entr" presetSubtype="10" fill="hold" nodeType="clickEffect">
+                                  <p:stCondLst>
+                                    <p:cond delay="0"/>
+                                  </p:stCondLst>
+                                  <p:childTnLst>
+                                    <p:set>
+                                      <p:cBhvr>
+                                        <p:cTn id="28" dur="1" fill="hold">
+                                          <p:stCondLst>
+                                            <p:cond delay="0"/>
+                                          </p:stCondLst>
+                                        </p:cTn>
+                                        <p:tgtEl>
+                                          <p:spTgt spid="7"/>
+                                        </p:tgtEl>
+                                        <p:attrNameLst>
+                                          <p:attrName>style.visibility</p:attrName>
+                                        </p:attrNameLst>
+                                      </p:cBhvr>
+                                      <p:to>
+                                        <p:strVal val="visible"/>
+                                      </p:to>
+                                    </p:set>
+                                    <p:animEffect transition="in" filter="randombar(horizontal)">
+                                      <p:cBhvr>
+                                        <p:cTn id="29" dur="500"/>
+                                        <p:tgtEl>
+                                          <p:spTgt spid="7"/>
+                                        </p:tgtEl>
+                                      </p:cBhvr>
+                                    </p:animEffect>
+                                  </p:childTnLst>
+                                </p:cTn>
+                              </p:par>
+                            </p:childTnLst>
+                          </p:cTn>
+                        </p:par>
+                      </p:childTnLst>
+                    </p:cTn>
+                  </p:par>
+                </p:childTnLst>
+              </p:cTn>
+              <p:prevCondLst>
+                <p:cond evt="onPrev" delay="0">
+                  <p:tgtEl>
+                    <p:sldTgt/>
+                  </p:tgtEl>
+                </p:cond>
+              </p:prevCondLst>
+              <p:nextCondLst>
+                <p:cond evt="onNext" delay="0">
+                  <p:tgtEl>
+                    <p:sldTgt/>
+                  </p:tgtEl>
+                </p:cond>
+              </p:nextCondLst>
+            </p:seq>
+          </p:childTnLst>
+        </p:cTn>
       </p:par>
     </p:tnLst>
   </p:timing>
@@ -6408,295 +6879,6 @@
 </file>
 
 <file path=ppt/slides/slide4.xml><?xml version="1.0" encoding="utf-8"?>
-<p:sld xmlns:a="http://schemas.openxmlformats.org/drawingml/2006/main" xmlns:r="http://schemas.openxmlformats.org/officeDocument/2006/relationships" xmlns:p="http://schemas.openxmlformats.org/presentationml/2006/main">
-  <p:cSld>
-    <p:spTree>
-      <p:nvGrpSpPr>
-        <p:cNvPr id="1" name=""/>
-        <p:cNvGrpSpPr/>
-        <p:nvPr/>
-      </p:nvGrpSpPr>
-      <p:grpSpPr>
-        <a:xfrm>
-          <a:off x="0" y="0"/>
-          <a:ext cx="0" cy="0"/>
-          <a:chOff x="0" y="0"/>
-          <a:chExt cx="0" cy="0"/>
-        </a:xfrm>
-      </p:grpSpPr>
-      <p:sp>
-        <p:nvSpPr>
-          <p:cNvPr id="2" name="Title 1"/>
-          <p:cNvSpPr>
-            <a:spLocks noGrp="1"/>
-          </p:cNvSpPr>
-          <p:nvPr>
-            <p:ph type="title"/>
-          </p:nvPr>
-        </p:nvSpPr>
-        <p:spPr/>
-        <p:txBody>
-          <a:bodyPr/>
-          <a:lstStyle/>
-          <a:p>
-            <a:r>
-              <a:rPr lang="id-ID" dirty="0"/>
-              <a:t>Manfaat Rekam </a:t>
-            </a:r>
-            <a:r>
-              <a:rPr lang="id-ID" dirty="0" smtClean="0"/>
-              <a:t>Medis</a:t>
-            </a:r>
-            <a:endParaRPr lang="id-ID" dirty="0"/>
-          </a:p>
-        </p:txBody>
-      </p:sp>
-      <p:sp>
-        <p:nvSpPr>
-          <p:cNvPr id="3" name="Content Placeholder 2"/>
-          <p:cNvSpPr>
-            <a:spLocks noGrp="1"/>
-          </p:cNvSpPr>
-          <p:nvPr>
-            <p:ph idx="1"/>
-          </p:nvPr>
-        </p:nvSpPr>
-        <p:spPr/>
-        <p:txBody>
-          <a:bodyPr/>
-          <a:lstStyle/>
-          <a:p>
-            <a:pPr marL="0" indent="0">
-              <a:buNone/>
-            </a:pPr>
-            <a:r>
-              <a:rPr lang="id-ID" dirty="0"/>
-              <a:t>Permenkes no. 749a tahun 1989 menyebutkan bahwa Rekam Medis memiliki 5 ,manfaat yaitu:</a:t>
-            </a:r>
-          </a:p>
-          <a:p>
-            <a:r>
-              <a:rPr lang="id-ID" dirty="0"/>
-              <a:t>Sebagai dasar pemeliharaan kesehatan dan pengobatan pasien</a:t>
-            </a:r>
-          </a:p>
-          <a:p>
-            <a:r>
-              <a:rPr lang="id-ID" dirty="0"/>
-              <a:t>Sebagai bahan pembuktian dalam perkara hukum</a:t>
-            </a:r>
-          </a:p>
-          <a:p>
-            <a:r>
-              <a:rPr lang="id-ID" dirty="0"/>
-              <a:t>Bahan untuk kepentingan penelitian</a:t>
-            </a:r>
-          </a:p>
-          <a:p>
-            <a:r>
-              <a:rPr lang="id-ID" dirty="0"/>
-              <a:t>Sebagai dasar pembayaran biaya pelayanan kesehatan dan</a:t>
-            </a:r>
-          </a:p>
-          <a:p>
-            <a:r>
-              <a:rPr lang="id-ID" dirty="0"/>
-              <a:t>Sebagai bahan untuk menyiapkan statistik kesehatan.</a:t>
-            </a:r>
-          </a:p>
-          <a:p>
-            <a:endParaRPr lang="id-ID" dirty="0"/>
-          </a:p>
-        </p:txBody>
-      </p:sp>
-    </p:spTree>
-    <p:extLst>
-      <p:ext uri="{BB962C8B-B14F-4D97-AF65-F5344CB8AC3E}">
-        <p14:creationId xmlns:p14="http://schemas.microsoft.com/office/powerpoint/2010/main" val="3925460037"/>
-      </p:ext>
-    </p:extLst>
-  </p:cSld>
-  <p:clrMapOvr>
-    <a:masterClrMapping/>
-  </p:clrMapOvr>
-  <p:timing>
-    <p:tnLst>
-      <p:par>
-        <p:cTn id="1" dur="indefinite" restart="never" nodeType="tmRoot"/>
-      </p:par>
-    </p:tnLst>
-  </p:timing>
-</p:sld>
-</file>
-
-<file path=ppt/slides/slide5.xml><?xml version="1.0" encoding="utf-8"?>
-<p:sld xmlns:a="http://schemas.openxmlformats.org/drawingml/2006/main" xmlns:r="http://schemas.openxmlformats.org/officeDocument/2006/relationships" xmlns:p="http://schemas.openxmlformats.org/presentationml/2006/main">
-  <p:cSld>
-    <p:spTree>
-      <p:nvGrpSpPr>
-        <p:cNvPr id="1" name=""/>
-        <p:cNvGrpSpPr/>
-        <p:nvPr/>
-      </p:nvGrpSpPr>
-      <p:grpSpPr>
-        <a:xfrm>
-          <a:off x="0" y="0"/>
-          <a:ext cx="0" cy="0"/>
-          <a:chOff x="0" y="0"/>
-          <a:chExt cx="0" cy="0"/>
-        </a:xfrm>
-      </p:grpSpPr>
-      <p:sp>
-        <p:nvSpPr>
-          <p:cNvPr id="2" name="Title 1"/>
-          <p:cNvSpPr>
-            <a:spLocks noGrp="1"/>
-          </p:cNvSpPr>
-          <p:nvPr>
-            <p:ph type="title"/>
-          </p:nvPr>
-        </p:nvSpPr>
-        <p:spPr/>
-        <p:txBody>
-          <a:bodyPr/>
-          <a:lstStyle/>
-          <a:p>
-            <a:r>
-              <a:rPr lang="id-ID" dirty="0"/>
-              <a:t>Manfaat Rekam Medis</a:t>
-            </a:r>
-          </a:p>
-        </p:txBody>
-      </p:sp>
-      <p:sp>
-        <p:nvSpPr>
-          <p:cNvPr id="3" name="Content Placeholder 2"/>
-          <p:cNvSpPr>
-            <a:spLocks noGrp="1"/>
-          </p:cNvSpPr>
-          <p:nvPr>
-            <p:ph idx="1"/>
-          </p:nvPr>
-        </p:nvSpPr>
-        <p:spPr/>
-        <p:txBody>
-          <a:bodyPr>
-            <a:normAutofit lnSpcReduction="10000"/>
-          </a:bodyPr>
-          <a:lstStyle/>
-          <a:p>
-            <a:pPr marL="0" indent="0">
-              <a:buNone/>
-            </a:pPr>
-            <a:r>
-              <a:rPr lang="id-ID" dirty="0"/>
-              <a:t>Dalam kepustakaan dikatakan bahwa rekam medis memiliki 5 manfaat, yang untuk mudahnya disingkat sebagai </a:t>
-            </a:r>
-            <a:r>
-              <a:rPr lang="id-ID" b="1" dirty="0"/>
-              <a:t>ALFRED</a:t>
-            </a:r>
-            <a:r>
-              <a:rPr lang="id-ID" dirty="0"/>
-              <a:t>, yaitu:</a:t>
-            </a:r>
-          </a:p>
-          <a:p>
-            <a:r>
-              <a:rPr lang="id-ID" dirty="0"/>
-              <a:t>1. </a:t>
-            </a:r>
-            <a:r>
-              <a:rPr lang="id-ID" b="1" dirty="0"/>
-              <a:t>Adminstratlve value</a:t>
-            </a:r>
-            <a:r>
-              <a:rPr lang="id-ID" dirty="0"/>
-              <a:t>: Rekam medis merupakan rekaman data adminitratif pelayanan kesehatan.</a:t>
-            </a:r>
-          </a:p>
-          <a:p>
-            <a:r>
-              <a:rPr lang="id-ID" dirty="0"/>
-              <a:t>2. </a:t>
-            </a:r>
-            <a:r>
-              <a:rPr lang="id-ID" b="1" dirty="0"/>
-              <a:t>Legal value</a:t>
-            </a:r>
-            <a:r>
-              <a:rPr lang="id-ID" dirty="0"/>
-              <a:t>: Rekam medis dapat.dijadikan bahan pembuktian di pengadilan</a:t>
-            </a:r>
-          </a:p>
-          <a:p>
-            <a:r>
-              <a:rPr lang="id-ID" dirty="0"/>
-              <a:t>3. </a:t>
-            </a:r>
-            <a:r>
-              <a:rPr lang="id-ID" b="1" dirty="0"/>
-              <a:t>Financial value</a:t>
-            </a:r>
-            <a:r>
-              <a:rPr lang="id-ID" dirty="0"/>
-              <a:t>: Rekam medis dapat dijadikan dasar untuk perincian biaya pelayanan kesehatan yang harus dibayar oleh pasien</a:t>
-            </a:r>
-          </a:p>
-          <a:p>
-            <a:r>
-              <a:rPr lang="id-ID" dirty="0"/>
-              <a:t>4. </a:t>
-            </a:r>
-            <a:r>
-              <a:rPr lang="id-ID" b="1" dirty="0"/>
-              <a:t>Research value</a:t>
-            </a:r>
-            <a:r>
-              <a:rPr lang="id-ID" dirty="0"/>
-              <a:t>: Data Rekam Medis dapat dijadikan bahan untuk penelitian dalam lapangan kedokteran, keperawatan dan kesehatan.</a:t>
-            </a:r>
-          </a:p>
-          <a:p>
-            <a:r>
-              <a:rPr lang="id-ID" dirty="0"/>
-              <a:t>5. </a:t>
-            </a:r>
-            <a:r>
-              <a:rPr lang="id-ID" b="1" dirty="0"/>
-              <a:t>Education value</a:t>
-            </a:r>
-            <a:r>
-              <a:rPr lang="id-ID" dirty="0"/>
-              <a:t>: Data-data dalam Rekam Medis dapat bahan pengajaran dan pendidikan mahasiswa kedokteran, keperawatan serta tenaga kesehatan lainnya.</a:t>
-            </a:r>
-          </a:p>
-          <a:p>
-            <a:endParaRPr lang="id-ID" dirty="0"/>
-          </a:p>
-        </p:txBody>
-      </p:sp>
-    </p:spTree>
-    <p:extLst>
-      <p:ext uri="{BB962C8B-B14F-4D97-AF65-F5344CB8AC3E}">
-        <p14:creationId xmlns:p14="http://schemas.microsoft.com/office/powerpoint/2010/main" val="2641631910"/>
-      </p:ext>
-    </p:extLst>
-  </p:cSld>
-  <p:clrMapOvr>
-    <a:masterClrMapping/>
-  </p:clrMapOvr>
-  <p:timing>
-    <p:tnLst>
-      <p:par>
-        <p:cTn id="1" dur="indefinite" restart="never" nodeType="tmRoot"/>
-      </p:par>
-    </p:tnLst>
-  </p:timing>
-</p:sld>
-</file>
-
-<file path=ppt/slides/slide6.xml><?xml version="1.0" encoding="utf-8"?>
 <p:sld xmlns:a="http://schemas.openxmlformats.org/drawingml/2006/main" xmlns:r="http://schemas.openxmlformats.org/officeDocument/2006/relationships" xmlns:p="http://schemas.openxmlformats.org/presentationml/2006/main">
   <p:cSld>
     <p:spTree>
@@ -6735,213 +6917,18 @@
         </p:blipFill>
         <p:spPr>
           <a:xfrm>
-            <a:off x="444137" y="406009"/>
-            <a:ext cx="6923314" cy="6099294"/>
+            <a:off x="1280159" y="0"/>
+            <a:ext cx="9666515" cy="9253955"/>
           </a:xfrm>
           <a:prstGeom prst="rect">
             <a:avLst/>
           </a:prstGeom>
         </p:spPr>
       </p:pic>
-      <p:sp>
-        <p:nvSpPr>
-          <p:cNvPr id="3" name="TextBox 2"/>
-          <p:cNvSpPr txBox="1"/>
-          <p:nvPr/>
-        </p:nvSpPr>
-        <p:spPr>
-          <a:xfrm>
-            <a:off x="7615646" y="406009"/>
-            <a:ext cx="4389120" cy="4832092"/>
-          </a:xfrm>
-          <a:prstGeom prst="rect">
-            <a:avLst/>
-          </a:prstGeom>
-          <a:noFill/>
-        </p:spPr>
-        <p:txBody>
-          <a:bodyPr wrap="square" rtlCol="0">
-            <a:spAutoFit/>
-          </a:bodyPr>
-          <a:lstStyle/>
-          <a:p>
-            <a:r>
-              <a:rPr lang="en-US" sz="2800" b="1" dirty="0" smtClean="0">
-                <a:effectLst>
-                  <a:outerShdw blurRad="38100" dist="38100" dir="2700000" algn="tl">
-                    <a:srgbClr val="000000">
-                      <a:alpha val="43137"/>
-                    </a:srgbClr>
-                  </a:outerShdw>
-                </a:effectLst>
-              </a:rPr>
-              <a:t>Login Page</a:t>
-            </a:r>
-          </a:p>
-          <a:p>
-            <a:endParaRPr lang="en-US" sz="2800" dirty="0"/>
-          </a:p>
-          <a:p>
-            <a:r>
-              <a:rPr lang="en-US" sz="2800" dirty="0" err="1" smtClean="0"/>
-              <a:t>Karena</a:t>
-            </a:r>
-            <a:r>
-              <a:rPr lang="en-US" sz="2800" dirty="0" smtClean="0"/>
-              <a:t> </a:t>
-            </a:r>
-            <a:r>
-              <a:rPr lang="en-US" sz="2800" dirty="0" err="1" smtClean="0"/>
-              <a:t>aplikasi</a:t>
-            </a:r>
-            <a:r>
-              <a:rPr lang="en-US" sz="2800" dirty="0" smtClean="0"/>
-              <a:t> </a:t>
-            </a:r>
-            <a:r>
-              <a:rPr lang="en-US" sz="2800" dirty="0" err="1" smtClean="0"/>
-              <a:t>rekam</a:t>
-            </a:r>
-            <a:r>
-              <a:rPr lang="en-US" sz="2800" dirty="0" smtClean="0"/>
-              <a:t> </a:t>
-            </a:r>
-            <a:r>
-              <a:rPr lang="en-US" sz="2800" dirty="0" err="1" smtClean="0"/>
-              <a:t>medis</a:t>
-            </a:r>
-            <a:r>
-              <a:rPr lang="en-US" sz="2800" dirty="0" smtClean="0"/>
-              <a:t> </a:t>
-            </a:r>
-            <a:r>
-              <a:rPr lang="en-US" sz="2800" dirty="0" err="1" smtClean="0"/>
-              <a:t>ini</a:t>
-            </a:r>
-            <a:r>
-              <a:rPr lang="en-US" sz="2800" dirty="0" smtClean="0"/>
-              <a:t> </a:t>
-            </a:r>
-            <a:r>
-              <a:rPr lang="en-US" sz="2800" dirty="0" err="1" smtClean="0"/>
-              <a:t>bersifat</a:t>
-            </a:r>
-            <a:r>
-              <a:rPr lang="en-US" sz="2800" dirty="0" smtClean="0"/>
-              <a:t> internal, </a:t>
-            </a:r>
-            <a:r>
-              <a:rPr lang="en-US" sz="2800" dirty="0" err="1" smtClean="0"/>
-              <a:t>atau</a:t>
-            </a:r>
-            <a:r>
-              <a:rPr lang="en-US" sz="2800" dirty="0" smtClean="0"/>
-              <a:t> </a:t>
-            </a:r>
-            <a:r>
-              <a:rPr lang="en-US" sz="2800" dirty="0" err="1" smtClean="0"/>
-              <a:t>hanya</a:t>
-            </a:r>
-            <a:r>
-              <a:rPr lang="en-US" sz="2800" dirty="0" smtClean="0"/>
-              <a:t> administrator, </a:t>
-            </a:r>
-            <a:r>
-              <a:rPr lang="en-US" sz="2800" dirty="0" err="1" smtClean="0"/>
-              <a:t>petugas</a:t>
-            </a:r>
-            <a:r>
-              <a:rPr lang="en-US" sz="2800" dirty="0" smtClean="0"/>
-              <a:t>, </a:t>
-            </a:r>
-            <a:r>
-              <a:rPr lang="en-US" sz="2800" dirty="0" err="1" smtClean="0"/>
-              <a:t>dan</a:t>
-            </a:r>
-            <a:r>
-              <a:rPr lang="en-US" sz="2800" dirty="0" smtClean="0"/>
-              <a:t> </a:t>
-            </a:r>
-            <a:r>
-              <a:rPr lang="en-US" sz="2800" dirty="0" err="1" smtClean="0"/>
-              <a:t>dokter</a:t>
-            </a:r>
-            <a:r>
-              <a:rPr lang="en-US" sz="2800" dirty="0" smtClean="0"/>
-              <a:t> yang </a:t>
-            </a:r>
-            <a:r>
-              <a:rPr lang="en-US" sz="2800" dirty="0" err="1" smtClean="0"/>
-              <a:t>dapat</a:t>
-            </a:r>
-            <a:r>
-              <a:rPr lang="en-US" sz="2800" dirty="0" smtClean="0"/>
-              <a:t> </a:t>
-            </a:r>
-            <a:r>
-              <a:rPr lang="en-US" sz="2800" dirty="0" err="1" smtClean="0"/>
-              <a:t>mengakses</a:t>
-            </a:r>
-            <a:r>
-              <a:rPr lang="en-US" sz="2800" dirty="0" smtClean="0"/>
-              <a:t>, </a:t>
-            </a:r>
-            <a:r>
-              <a:rPr lang="en-US" sz="2800" dirty="0" err="1" smtClean="0"/>
-              <a:t>jadi</a:t>
-            </a:r>
-            <a:r>
-              <a:rPr lang="en-US" sz="2800" dirty="0" smtClean="0"/>
-              <a:t> </a:t>
-            </a:r>
-            <a:r>
-              <a:rPr lang="en-US" sz="2800" dirty="0" err="1" smtClean="0"/>
-              <a:t>pertama</a:t>
-            </a:r>
-            <a:r>
-              <a:rPr lang="en-US" sz="2800" dirty="0" smtClean="0"/>
-              <a:t>-tama </a:t>
-            </a:r>
-            <a:r>
-              <a:rPr lang="en-US" sz="2800" dirty="0" err="1" smtClean="0"/>
-              <a:t>kita</a:t>
-            </a:r>
-            <a:r>
-              <a:rPr lang="en-US" sz="2800" dirty="0" smtClean="0"/>
-              <a:t> </a:t>
-            </a:r>
-            <a:r>
-              <a:rPr lang="en-US" sz="2800" dirty="0" err="1" smtClean="0"/>
-              <a:t>harus</a:t>
-            </a:r>
-            <a:r>
-              <a:rPr lang="en-US" sz="2800" dirty="0" smtClean="0"/>
-              <a:t> login </a:t>
-            </a:r>
-            <a:r>
-              <a:rPr lang="en-US" sz="2800" dirty="0" err="1" smtClean="0"/>
-              <a:t>terlebih</a:t>
-            </a:r>
-            <a:r>
-              <a:rPr lang="en-US" sz="2800" dirty="0" smtClean="0"/>
-              <a:t> </a:t>
-            </a:r>
-            <a:r>
-              <a:rPr lang="en-US" sz="2800" dirty="0" err="1" smtClean="0"/>
-              <a:t>dahulu</a:t>
-            </a:r>
-            <a:r>
-              <a:rPr lang="en-US" sz="2800" dirty="0" smtClean="0"/>
-              <a:t>.</a:t>
-            </a:r>
-            <a:endParaRPr lang="id-ID" sz="2400" dirty="0"/>
-          </a:p>
-        </p:txBody>
-      </p:sp>
     </p:spTree>
     <p:extLst>
       <p:ext uri="{BB962C8B-B14F-4D97-AF65-F5344CB8AC3E}">
-        <p14:creationId xmlns:p14="http://schemas.microsoft.com/office/powerpoint/2010/main" val="619001845"/>
+        <p14:creationId xmlns:p14="http://schemas.microsoft.com/office/powerpoint/2010/main" val="1850244612"/>
       </p:ext>
     </p:extLst>
   </p:cSld>
@@ -6958,7 +6945,7 @@
 </p:sld>
 </file>
 
-<file path=ppt/slides/slide7.xml><?xml version="1.0" encoding="utf-8"?>
+<file path=ppt/slides/slide5.xml><?xml version="1.0" encoding="utf-8"?>
 <p:sld xmlns:a="http://schemas.openxmlformats.org/drawingml/2006/main" xmlns:r="http://schemas.openxmlformats.org/officeDocument/2006/relationships" xmlns:p="http://schemas.openxmlformats.org/presentationml/2006/main">
   <p:cSld>
     <p:spTree>
@@ -6975,46 +6962,16 @@
           <a:chExt cx="0" cy="0"/>
         </a:xfrm>
       </p:grpSpPr>
-      <p:pic>
-        <p:nvPicPr>
-          <p:cNvPr id="2" name="Picture 1"/>
-          <p:cNvPicPr>
-            <a:picLocks noChangeAspect="1"/>
-          </p:cNvPicPr>
+      <p:sp>
+        <p:nvSpPr>
+          <p:cNvPr id="5" name="Rectangle 4"/>
+          <p:cNvSpPr/>
           <p:nvPr/>
-        </p:nvPicPr>
-        <p:blipFill>
-          <a:blip r:embed="rId2">
-            <a:extLst>
-              <a:ext uri="{28A0092B-C50C-407E-A947-70E740481C1C}">
-                <a14:useLocalDpi xmlns:a14="http://schemas.microsoft.com/office/drawing/2010/main" val="0"/>
-              </a:ext>
-            </a:extLst>
-          </a:blip>
-          <a:stretch>
-            <a:fillRect/>
-          </a:stretch>
-        </p:blipFill>
+        </p:nvSpPr>
         <p:spPr>
           <a:xfrm>
-            <a:off x="0" y="1"/>
-            <a:ext cx="4817119" cy="2860766"/>
-          </a:xfrm>
-          <a:prstGeom prst="rect">
-            <a:avLst/>
-          </a:prstGeom>
-        </p:spPr>
-      </p:pic>
-      <p:sp>
-        <p:nvSpPr>
-          <p:cNvPr id="3" name="TextBox 2"/>
-          <p:cNvSpPr txBox="1"/>
-          <p:nvPr/>
-        </p:nvSpPr>
-        <p:spPr>
-          <a:xfrm>
-            <a:off x="4864353" y="414721"/>
-            <a:ext cx="7327647" cy="2123658"/>
+            <a:off x="553479" y="2203368"/>
+            <a:ext cx="11202105" cy="1862048"/>
           </a:xfrm>
           <a:prstGeom prst="rect">
             <a:avLst/>
@@ -7022,354 +6979,6 @@
           <a:noFill/>
         </p:spPr>
         <p:txBody>
-          <a:bodyPr wrap="none" rtlCol="0">
-            <a:spAutoFit/>
-          </a:bodyPr>
-          <a:lstStyle/>
-          <a:p>
-            <a:r>
-              <a:rPr lang="en-US" sz="2400" b="1" dirty="0" smtClean="0">
-                <a:effectLst>
-                  <a:outerShdw blurRad="38100" dist="38100" dir="2700000" algn="tl">
-                    <a:srgbClr val="000000">
-                      <a:alpha val="43137"/>
-                    </a:srgbClr>
-                  </a:outerShdw>
-                </a:effectLst>
-              </a:rPr>
-              <a:t>HALAMAN UTAMA</a:t>
-            </a:r>
-          </a:p>
-          <a:p>
-            <a:r>
-              <a:rPr lang="en-US" dirty="0" smtClean="0"/>
-              <a:t>Di </a:t>
-            </a:r>
-            <a:r>
-              <a:rPr lang="en-US" dirty="0" err="1" smtClean="0"/>
-              <a:t>halaman</a:t>
-            </a:r>
-            <a:r>
-              <a:rPr lang="en-US" dirty="0" smtClean="0"/>
-              <a:t> </a:t>
-            </a:r>
-            <a:r>
-              <a:rPr lang="en-US" dirty="0" err="1" smtClean="0"/>
-              <a:t>utama</a:t>
-            </a:r>
-            <a:r>
-              <a:rPr lang="en-US" dirty="0" smtClean="0"/>
-              <a:t>, admin </a:t>
-            </a:r>
-            <a:r>
-              <a:rPr lang="en-US" dirty="0" err="1" smtClean="0"/>
-              <a:t>atau</a:t>
-            </a:r>
-            <a:r>
-              <a:rPr lang="en-US" dirty="0" smtClean="0"/>
-              <a:t> </a:t>
-            </a:r>
-            <a:r>
-              <a:rPr lang="en-US" dirty="0" err="1" smtClean="0"/>
-              <a:t>petugas</a:t>
-            </a:r>
-            <a:r>
-              <a:rPr lang="en-US" dirty="0" smtClean="0"/>
-              <a:t> </a:t>
-            </a:r>
-            <a:r>
-              <a:rPr lang="en-US" dirty="0" err="1" smtClean="0"/>
-              <a:t>akan</a:t>
-            </a:r>
-            <a:r>
-              <a:rPr lang="en-US" dirty="0" smtClean="0"/>
-              <a:t> </a:t>
-            </a:r>
-            <a:r>
-              <a:rPr lang="en-US" dirty="0" err="1" smtClean="0"/>
-              <a:t>diberikan</a:t>
-            </a:r>
-            <a:endParaRPr lang="en-US" dirty="0" smtClean="0"/>
-          </a:p>
-          <a:p>
-            <a:r>
-              <a:rPr lang="en-US" dirty="0" err="1" smtClean="0"/>
-              <a:t>Sebuah</a:t>
-            </a:r>
-            <a:r>
-              <a:rPr lang="en-US" dirty="0" smtClean="0"/>
-              <a:t> </a:t>
-            </a:r>
-            <a:r>
-              <a:rPr lang="en-US" dirty="0" err="1" smtClean="0"/>
-              <a:t>pertanyaan</a:t>
-            </a:r>
-            <a:r>
-              <a:rPr lang="en-US" dirty="0" smtClean="0"/>
-              <a:t>, “</a:t>
-            </a:r>
-            <a:r>
-              <a:rPr lang="en-US" dirty="0" err="1" smtClean="0"/>
-              <a:t>Apakah</a:t>
-            </a:r>
-            <a:r>
-              <a:rPr lang="en-US" dirty="0" smtClean="0"/>
-              <a:t> </a:t>
-            </a:r>
-            <a:r>
-              <a:rPr lang="en-US" dirty="0" err="1" smtClean="0"/>
-              <a:t>pasien</a:t>
-            </a:r>
-            <a:r>
-              <a:rPr lang="en-US" dirty="0" smtClean="0"/>
-              <a:t> </a:t>
-            </a:r>
-            <a:r>
-              <a:rPr lang="en-US" dirty="0" err="1" smtClean="0"/>
-              <a:t>pernah</a:t>
-            </a:r>
-            <a:r>
-              <a:rPr lang="en-US" dirty="0" smtClean="0"/>
-              <a:t> </a:t>
-            </a:r>
-            <a:r>
-              <a:rPr lang="en-US" dirty="0" err="1" smtClean="0"/>
-              <a:t>berobat</a:t>
-            </a:r>
-            <a:r>
-              <a:rPr lang="en-US" dirty="0" smtClean="0"/>
-              <a:t> </a:t>
-            </a:r>
-            <a:r>
-              <a:rPr lang="en-US" dirty="0" err="1" smtClean="0"/>
-              <a:t>disini</a:t>
-            </a:r>
-            <a:r>
-              <a:rPr lang="en-US" dirty="0" smtClean="0"/>
-              <a:t>?”</a:t>
-            </a:r>
-          </a:p>
-          <a:p>
-            <a:endParaRPr lang="en-US" dirty="0"/>
-          </a:p>
-          <a:p>
-            <a:r>
-              <a:rPr lang="en-US" dirty="0" err="1" smtClean="0"/>
-              <a:t>Apabila</a:t>
-            </a:r>
-            <a:r>
-              <a:rPr lang="en-US" dirty="0" smtClean="0"/>
-              <a:t> </a:t>
-            </a:r>
-            <a:r>
-              <a:rPr lang="en-US" dirty="0" err="1" smtClean="0"/>
-              <a:t>Pernah</a:t>
-            </a:r>
-            <a:r>
-              <a:rPr lang="en-US" dirty="0" smtClean="0"/>
-              <a:t>, </a:t>
-            </a:r>
-            <a:r>
-              <a:rPr lang="en-US" dirty="0" err="1" smtClean="0"/>
-              <a:t>maka</a:t>
-            </a:r>
-            <a:r>
-              <a:rPr lang="en-US" dirty="0" smtClean="0"/>
-              <a:t> </a:t>
-            </a:r>
-            <a:r>
-              <a:rPr lang="en-US" dirty="0" err="1" smtClean="0"/>
-              <a:t>akan</a:t>
-            </a:r>
-            <a:r>
-              <a:rPr lang="en-US" dirty="0" smtClean="0"/>
-              <a:t> </a:t>
-            </a:r>
-            <a:r>
-              <a:rPr lang="en-US" dirty="0" err="1" smtClean="0"/>
-              <a:t>langsung</a:t>
-            </a:r>
-            <a:r>
-              <a:rPr lang="en-US" dirty="0" smtClean="0"/>
-              <a:t> </a:t>
-            </a:r>
-            <a:r>
-              <a:rPr lang="en-US" dirty="0" err="1" smtClean="0"/>
-              <a:t>ke</a:t>
-            </a:r>
-            <a:r>
-              <a:rPr lang="en-US" dirty="0" smtClean="0"/>
-              <a:t> </a:t>
-            </a:r>
-            <a:r>
-              <a:rPr lang="en-US" b="1" dirty="0" smtClean="0"/>
-              <a:t>TAMBAH KUNJUNGAN.</a:t>
-            </a:r>
-          </a:p>
-          <a:p>
-            <a:r>
-              <a:rPr lang="en-US" dirty="0" err="1" smtClean="0"/>
-              <a:t>Tetapi</a:t>
-            </a:r>
-            <a:r>
-              <a:rPr lang="en-US" dirty="0" smtClean="0"/>
-              <a:t> </a:t>
-            </a:r>
-            <a:r>
-              <a:rPr lang="en-US" dirty="0" err="1" smtClean="0"/>
-              <a:t>apabila</a:t>
-            </a:r>
-            <a:r>
-              <a:rPr lang="en-US" dirty="0" smtClean="0"/>
-              <a:t> </a:t>
-            </a:r>
-            <a:r>
-              <a:rPr lang="en-US" dirty="0" err="1" smtClean="0"/>
-              <a:t>belum</a:t>
-            </a:r>
-            <a:r>
-              <a:rPr lang="en-US" dirty="0" smtClean="0"/>
-              <a:t> </a:t>
-            </a:r>
-            <a:r>
-              <a:rPr lang="en-US" dirty="0" err="1" smtClean="0"/>
-              <a:t>pernah</a:t>
-            </a:r>
-            <a:r>
-              <a:rPr lang="en-US" dirty="0" smtClean="0"/>
-              <a:t>, </a:t>
-            </a:r>
-            <a:r>
-              <a:rPr lang="en-US" dirty="0" err="1" smtClean="0"/>
-              <a:t>maka</a:t>
-            </a:r>
-            <a:r>
-              <a:rPr lang="en-US" dirty="0" smtClean="0"/>
-              <a:t> </a:t>
-            </a:r>
-            <a:r>
-              <a:rPr lang="en-US" dirty="0" err="1" smtClean="0"/>
-              <a:t>akan</a:t>
-            </a:r>
-            <a:r>
-              <a:rPr lang="en-US" dirty="0" smtClean="0"/>
-              <a:t> di </a:t>
-            </a:r>
-            <a:r>
-              <a:rPr lang="en-US" dirty="0" err="1" smtClean="0"/>
-              <a:t>arahkan</a:t>
-            </a:r>
-            <a:r>
-              <a:rPr lang="en-US" dirty="0" smtClean="0"/>
-              <a:t> </a:t>
-            </a:r>
-            <a:r>
-              <a:rPr lang="en-US" dirty="0" err="1" smtClean="0"/>
-              <a:t>ke</a:t>
-            </a:r>
-            <a:r>
-              <a:rPr lang="en-US" dirty="0" smtClean="0"/>
-              <a:t> </a:t>
-            </a:r>
-            <a:r>
-              <a:rPr lang="en-US" dirty="0" err="1" smtClean="0"/>
-              <a:t>hala</a:t>
-            </a:r>
-            <a:r>
-              <a:rPr lang="en-US" dirty="0" smtClean="0"/>
-              <a:t>-</a:t>
-            </a:r>
-          </a:p>
-          <a:p>
-            <a:r>
-              <a:rPr lang="en-US" dirty="0" smtClean="0"/>
-              <a:t>Man </a:t>
-            </a:r>
-            <a:r>
-              <a:rPr lang="en-US" b="1" dirty="0" smtClean="0"/>
-              <a:t>TAMBAH PASIEN.</a:t>
-            </a:r>
-            <a:endParaRPr lang="id-ID" b="1" dirty="0"/>
-          </a:p>
-        </p:txBody>
-      </p:sp>
-      <p:pic>
-        <p:nvPicPr>
-          <p:cNvPr id="4" name="Picture 3"/>
-          <p:cNvPicPr>
-            <a:picLocks noChangeAspect="1"/>
-          </p:cNvPicPr>
-          <p:nvPr/>
-        </p:nvPicPr>
-        <p:blipFill>
-          <a:blip r:embed="rId3">
-            <a:extLst>
-              <a:ext uri="{28A0092B-C50C-407E-A947-70E740481C1C}">
-                <a14:useLocalDpi xmlns:a14="http://schemas.microsoft.com/office/drawing/2010/main" val="0"/>
-              </a:ext>
-            </a:extLst>
-          </a:blip>
-          <a:stretch>
-            <a:fillRect/>
-          </a:stretch>
-        </p:blipFill>
-        <p:spPr>
-          <a:xfrm>
-            <a:off x="7177730" y="3396343"/>
-            <a:ext cx="4420217" cy="3357154"/>
-          </a:xfrm>
-          <a:prstGeom prst="rect">
-            <a:avLst/>
-          </a:prstGeom>
-        </p:spPr>
-      </p:pic>
-      <p:pic>
-        <p:nvPicPr>
-          <p:cNvPr id="5" name="Picture 4"/>
-          <p:cNvPicPr>
-            <a:picLocks noChangeAspect="1"/>
-          </p:cNvPicPr>
-          <p:nvPr/>
-        </p:nvPicPr>
-        <p:blipFill>
-          <a:blip r:embed="rId4">
-            <a:extLst>
-              <a:ext uri="{28A0092B-C50C-407E-A947-70E740481C1C}">
-                <a14:useLocalDpi xmlns:a14="http://schemas.microsoft.com/office/drawing/2010/main" val="0"/>
-              </a:ext>
-            </a:extLst>
-          </a:blip>
-          <a:stretch>
-            <a:fillRect/>
-          </a:stretch>
-        </p:blipFill>
-        <p:spPr>
-          <a:xfrm>
-            <a:off x="711271" y="3897478"/>
-            <a:ext cx="4105848" cy="2172003"/>
-          </a:xfrm>
-          <a:prstGeom prst="rect">
-            <a:avLst/>
-          </a:prstGeom>
-        </p:spPr>
-      </p:pic>
-      <p:sp>
-        <p:nvSpPr>
-          <p:cNvPr id="6" name="Rectangle 5"/>
-          <p:cNvSpPr/>
-          <p:nvPr/>
-        </p:nvSpPr>
-        <p:spPr>
-          <a:xfrm>
-            <a:off x="1274043" y="3897478"/>
-            <a:ext cx="2980303" cy="400110"/>
-          </a:xfrm>
-          <a:prstGeom prst="rect">
-            <a:avLst/>
-          </a:prstGeom>
-          <a:noFill/>
-        </p:spPr>
-        <p:txBody>
           <a:bodyPr wrap="none" lIns="91440" tIns="45720" rIns="91440" bIns="45720">
             <a:spAutoFit/>
           </a:bodyPr>
@@ -7377,10 +6986,10 @@
           <a:p>
             <a:pPr algn="ctr"/>
             <a:r>
-              <a:rPr lang="en-US" sz="2000" b="1" cap="none" spc="50" dirty="0" smtClean="0">
+              <a:rPr lang="en-US" sz="11500" b="1" cap="none" spc="50" dirty="0" smtClean="0">
                 <a:ln w="0"/>
                 <a:solidFill>
-                  <a:schemeClr val="bg2"/>
+                  <a:srgbClr val="FF0000"/>
                 </a:solidFill>
                 <a:effectLst>
                   <a:innerShdw blurRad="63500" dist="50800" dir="13500000">
@@ -7390,12 +6999,12 @@
                   </a:innerShdw>
                 </a:effectLst>
               </a:rPr>
-              <a:t>TAMBAH KUNJUNGAN</a:t>
-            </a:r>
-            <a:endParaRPr lang="en-US" sz="2000" b="1" cap="none" spc="50" dirty="0">
+              <a:t>DEMO PROJECT</a:t>
+            </a:r>
+            <a:endParaRPr lang="en-US" sz="11500" b="1" cap="none" spc="50" dirty="0">
               <a:ln w="0"/>
               <a:solidFill>
-                <a:schemeClr val="bg2"/>
+                <a:srgbClr val="FF0000"/>
               </a:solidFill>
               <a:effectLst>
                 <a:innerShdw blurRad="63500" dist="50800" dir="13500000">
@@ -7408,71 +7017,28 @@
           </a:p>
         </p:txBody>
       </p:sp>
-      <p:sp>
-        <p:nvSpPr>
-          <p:cNvPr id="7" name="Rectangle 6"/>
-          <p:cNvSpPr/>
-          <p:nvPr/>
-        </p:nvSpPr>
-        <p:spPr>
-          <a:xfrm>
-            <a:off x="8957481" y="3435813"/>
-            <a:ext cx="2640466" cy="461665"/>
-          </a:xfrm>
-          <a:prstGeom prst="rect">
-            <a:avLst/>
-          </a:prstGeom>
-          <a:noFill/>
-        </p:spPr>
-        <p:txBody>
-          <a:bodyPr wrap="none" lIns="91440" tIns="45720" rIns="91440" bIns="45720">
-            <a:spAutoFit/>
-          </a:bodyPr>
-          <a:lstStyle/>
-          <a:p>
-            <a:pPr algn="ctr"/>
-            <a:r>
-              <a:rPr lang="en-US" sz="2400" b="1" cap="none" spc="50" dirty="0" smtClean="0">
-                <a:ln w="0"/>
-                <a:solidFill>
-                  <a:schemeClr val="bg2"/>
-                </a:solidFill>
-                <a:effectLst>
-                  <a:innerShdw blurRad="63500" dist="50800" dir="13500000">
-                    <a:srgbClr val="000000">
-                      <a:alpha val="50000"/>
-                    </a:srgbClr>
-                  </a:innerShdw>
-                </a:effectLst>
-              </a:rPr>
-              <a:t>TAMBAH PASIEN</a:t>
-            </a:r>
-            <a:endParaRPr lang="en-US" sz="2400" b="1" cap="none" spc="50" dirty="0">
-              <a:ln w="0"/>
-              <a:solidFill>
-                <a:schemeClr val="bg2"/>
-              </a:solidFill>
-              <a:effectLst>
-                <a:innerShdw blurRad="63500" dist="50800" dir="13500000">
-                  <a:srgbClr val="000000">
-                    <a:alpha val="50000"/>
-                  </a:srgbClr>
-                </a:innerShdw>
-              </a:effectLst>
-            </a:endParaRPr>
-          </a:p>
-        </p:txBody>
-      </p:sp>
     </p:spTree>
     <p:extLst>
       <p:ext uri="{BB962C8B-B14F-4D97-AF65-F5344CB8AC3E}">
-        <p14:creationId xmlns:p14="http://schemas.microsoft.com/office/powerpoint/2010/main" val="4071357526"/>
+        <p14:creationId xmlns:p14="http://schemas.microsoft.com/office/powerpoint/2010/main" val="1917097584"/>
       </p:ext>
     </p:extLst>
   </p:cSld>
   <p:clrMapOvr>
     <a:masterClrMapping/>
   </p:clrMapOvr>
+  <mc:AlternateContent xmlns:mc="http://schemas.openxmlformats.org/markup-compatibility/2006" xmlns:p14="http://schemas.microsoft.com/office/powerpoint/2010/main">
+    <mc:Choice Requires="p14">
+      <p:transition spd="slow" p14:dur="3400">
+        <p14:reveal/>
+      </p:transition>
+    </mc:Choice>
+    <mc:Fallback xmlns="">
+      <p:transition spd="slow">
+        <p:fade/>
+      </p:transition>
+    </mc:Fallback>
+  </mc:AlternateContent>
   <p:timing>
     <p:tnLst>
       <p:par>
@@ -7483,7 +7049,7 @@
 </p:sld>
 </file>
 
-<file path=ppt/slides/slide8.xml><?xml version="1.0" encoding="utf-8"?>
+<file path=ppt/slides/slide6.xml><?xml version="1.0" encoding="utf-8"?>
 <p:sld xmlns:a="http://schemas.openxmlformats.org/drawingml/2006/main" xmlns:r="http://schemas.openxmlformats.org/officeDocument/2006/relationships" xmlns:p="http://schemas.openxmlformats.org/presentationml/2006/main">
   <p:cSld>
     <p:spTree>
@@ -7500,680 +7066,331 @@
           <a:chExt cx="0" cy="0"/>
         </a:xfrm>
       </p:grpSpPr>
-      <p:pic>
-        <p:nvPicPr>
-          <p:cNvPr id="2" name="Picture 1"/>
-          <p:cNvPicPr>
-            <a:picLocks noChangeAspect="1"/>
-          </p:cNvPicPr>
-          <p:nvPr/>
-        </p:nvPicPr>
-        <p:blipFill>
-          <a:blip r:embed="rId2">
-            <a:extLst>
-              <a:ext uri="{28A0092B-C50C-407E-A947-70E740481C1C}">
-                <a14:useLocalDpi xmlns:a14="http://schemas.microsoft.com/office/drawing/2010/main" val="0"/>
-              </a:ext>
-            </a:extLst>
-          </a:blip>
-          <a:stretch>
-            <a:fillRect/>
-          </a:stretch>
-        </p:blipFill>
-        <p:spPr>
-          <a:xfrm>
-            <a:off x="966651" y="1005225"/>
-            <a:ext cx="10058400" cy="1908516"/>
-          </a:xfrm>
-          <a:prstGeom prst="rect">
-            <a:avLst/>
-          </a:prstGeom>
-        </p:spPr>
-      </p:pic>
-      <p:sp>
-        <p:nvSpPr>
-          <p:cNvPr id="3" name="Rectangle 2"/>
-          <p:cNvSpPr/>
-          <p:nvPr/>
-        </p:nvSpPr>
-        <p:spPr>
-          <a:xfrm>
-            <a:off x="3498121" y="-87922"/>
-            <a:ext cx="4751622" cy="923330"/>
-          </a:xfrm>
-          <a:prstGeom prst="rect">
-            <a:avLst/>
-          </a:prstGeom>
-          <a:noFill/>
-        </p:spPr>
-        <p:txBody>
-          <a:bodyPr wrap="none" lIns="91440" tIns="45720" rIns="91440" bIns="45720">
-            <a:spAutoFit/>
+      <p:sp>
+        <p:nvSpPr>
+          <p:cNvPr id="2" name="Title 1"/>
+          <p:cNvSpPr>
+            <a:spLocks noGrp="1"/>
+          </p:cNvSpPr>
+          <p:nvPr>
+            <p:ph type="title"/>
+          </p:nvPr>
+        </p:nvSpPr>
+        <p:spPr/>
+        <p:txBody>
+          <a:bodyPr/>
+          <a:lstStyle/>
+          <a:p>
+            <a:r>
+              <a:rPr lang="en-US" dirty="0" err="1" smtClean="0"/>
+              <a:t>Kesimpulan</a:t>
+            </a:r>
+            <a:endParaRPr lang="id-ID" dirty="0"/>
+          </a:p>
+        </p:txBody>
+      </p:sp>
+      <p:sp>
+        <p:nvSpPr>
+          <p:cNvPr id="3" name="Content Placeholder 2"/>
+          <p:cNvSpPr>
+            <a:spLocks noGrp="1"/>
+          </p:cNvSpPr>
+          <p:nvPr>
+            <p:ph idx="1"/>
+          </p:nvPr>
+        </p:nvSpPr>
+        <p:spPr/>
+        <p:txBody>
+          <a:bodyPr>
+            <a:normAutofit/>
           </a:bodyPr>
           <a:lstStyle/>
           <a:p>
-            <a:pPr algn="ctr"/>
-            <a:r>
-              <a:rPr lang="en-US" sz="5400" b="1" cap="none" spc="0" dirty="0" smtClean="0">
-                <a:ln w="0"/>
-                <a:solidFill>
-                  <a:schemeClr val="accent1"/>
-                </a:solidFill>
-                <a:effectLst>
-                  <a:outerShdw blurRad="38100" dist="25400" dir="5400000" algn="ctr" rotWithShape="0">
-                    <a:srgbClr val="6E747A">
-                      <a:alpha val="43000"/>
-                    </a:srgbClr>
-                  </a:outerShdw>
-                </a:effectLst>
-              </a:rPr>
-              <a:t>REKAM MEDIS</a:t>
-            </a:r>
-            <a:endParaRPr lang="en-US" sz="5400" b="1" cap="none" spc="0" dirty="0">
-              <a:ln w="0"/>
-              <a:solidFill>
-                <a:schemeClr val="accent1"/>
-              </a:solidFill>
-              <a:effectLst>
-                <a:outerShdw blurRad="38100" dist="25400" dir="5400000" algn="ctr" rotWithShape="0">
-                  <a:srgbClr val="6E747A">
-                    <a:alpha val="43000"/>
-                  </a:srgbClr>
-                </a:outerShdw>
-              </a:effectLst>
-            </a:endParaRPr>
-          </a:p>
-        </p:txBody>
-      </p:sp>
-      <p:sp>
-        <p:nvSpPr>
-          <p:cNvPr id="4" name="TextBox 3"/>
-          <p:cNvSpPr txBox="1"/>
-          <p:nvPr/>
-        </p:nvSpPr>
-        <p:spPr>
-          <a:xfrm>
-            <a:off x="0" y="3213825"/>
-            <a:ext cx="12070080" cy="923330"/>
-          </a:xfrm>
-          <a:prstGeom prst="rect">
-            <a:avLst/>
-          </a:prstGeom>
-          <a:noFill/>
-        </p:spPr>
-        <p:txBody>
-          <a:bodyPr wrap="square" rtlCol="0">
-            <a:spAutoFit/>
-          </a:bodyPr>
-          <a:lstStyle/>
-          <a:p>
-            <a:r>
-              <a:rPr lang="en-US" dirty="0" smtClean="0"/>
-              <a:t>Di </a:t>
-            </a:r>
-            <a:r>
-              <a:rPr lang="en-US" dirty="0" err="1" smtClean="0"/>
-              <a:t>halaman</a:t>
-            </a:r>
-            <a:r>
-              <a:rPr lang="en-US" dirty="0" smtClean="0"/>
+            <a:r>
+              <a:rPr lang="en-US" sz="3200" dirty="0" err="1" smtClean="0"/>
+              <a:t>Dengan</a:t>
+            </a:r>
+            <a:r>
+              <a:rPr lang="en-US" sz="3200" dirty="0" smtClean="0"/>
               <a:t> </a:t>
             </a:r>
             <a:r>
-              <a:rPr lang="en-US" dirty="0" err="1" smtClean="0"/>
+              <a:rPr lang="en-US" sz="3200" dirty="0" err="1" smtClean="0"/>
+              <a:t>adanya</a:t>
+            </a:r>
+            <a:r>
+              <a:rPr lang="en-US" sz="3200" dirty="0" smtClean="0"/>
+              <a:t> </a:t>
+            </a:r>
+            <a:r>
+              <a:rPr lang="en-US" sz="3200" dirty="0" err="1" smtClean="0"/>
+              <a:t>aplikasi</a:t>
+            </a:r>
+            <a:r>
+              <a:rPr lang="en-US" sz="3200" dirty="0" smtClean="0"/>
+              <a:t> </a:t>
+            </a:r>
+            <a:r>
+              <a:rPr lang="en-US" sz="3200" dirty="0" err="1" smtClean="0"/>
+              <a:t>rekam</a:t>
+            </a:r>
+            <a:r>
+              <a:rPr lang="en-US" sz="3200" dirty="0" smtClean="0"/>
+              <a:t> </a:t>
+            </a:r>
+            <a:r>
+              <a:rPr lang="en-US" sz="3200" dirty="0" err="1" smtClean="0"/>
+              <a:t>medis</a:t>
+            </a:r>
+            <a:r>
+              <a:rPr lang="en-US" sz="3200" dirty="0" smtClean="0"/>
+              <a:t> </a:t>
+            </a:r>
+            <a:r>
+              <a:rPr lang="en-US" sz="3200" dirty="0" err="1" smtClean="0"/>
+              <a:t>berbasis</a:t>
+            </a:r>
+            <a:r>
+              <a:rPr lang="en-US" sz="3200" dirty="0" smtClean="0"/>
+              <a:t> </a:t>
+            </a:r>
+            <a:r>
+              <a:rPr lang="en-US" sz="3200" dirty="0" err="1" smtClean="0"/>
+              <a:t>komputer</a:t>
+            </a:r>
+            <a:r>
+              <a:rPr lang="en-US" sz="3200" dirty="0" smtClean="0"/>
+              <a:t> </a:t>
+            </a:r>
+            <a:r>
+              <a:rPr lang="en-US" sz="3200" dirty="0" err="1" smtClean="0"/>
               <a:t>ini</a:t>
             </a:r>
             <a:r>
-              <a:rPr lang="en-US" dirty="0" smtClean="0"/>
+              <a:rPr lang="en-US" sz="3200" dirty="0" smtClean="0"/>
               <a:t> </a:t>
             </a:r>
             <a:r>
-              <a:rPr lang="en-US" dirty="0" err="1" smtClean="0"/>
-              <a:t>semua</a:t>
-            </a:r>
-            <a:r>
-              <a:rPr lang="en-US" dirty="0" smtClean="0"/>
-              <a:t> level user </a:t>
-            </a:r>
-            <a:r>
-              <a:rPr lang="en-US" dirty="0" err="1" smtClean="0"/>
+              <a:rPr lang="en-US" sz="3200" dirty="0" err="1" smtClean="0"/>
+              <a:t>dokter</a:t>
+            </a:r>
+            <a:r>
+              <a:rPr lang="en-US" sz="3200" dirty="0" smtClean="0"/>
+              <a:t> </a:t>
+            </a:r>
+            <a:r>
+              <a:rPr lang="en-US" sz="3200" dirty="0" err="1" smtClean="0"/>
+              <a:t>ataupun</a:t>
+            </a:r>
+            <a:r>
+              <a:rPr lang="en-US" sz="3200" dirty="0" smtClean="0"/>
+              <a:t> </a:t>
+            </a:r>
+            <a:r>
+              <a:rPr lang="en-US" sz="3200" dirty="0" err="1" smtClean="0"/>
+              <a:t>petugas</a:t>
+            </a:r>
+            <a:r>
+              <a:rPr lang="en-US" sz="3200" dirty="0" smtClean="0"/>
+              <a:t> </a:t>
+            </a:r>
+            <a:r>
+              <a:rPr lang="en-US" sz="3200" dirty="0" err="1" smtClean="0"/>
+              <a:t>dapat</a:t>
+            </a:r>
+            <a:r>
+              <a:rPr lang="en-US" sz="3200" dirty="0" smtClean="0"/>
+              <a:t> </a:t>
+            </a:r>
+            <a:r>
+              <a:rPr lang="en-US" sz="3200" dirty="0" err="1" smtClean="0"/>
+              <a:t>dengan</a:t>
+            </a:r>
+            <a:r>
+              <a:rPr lang="en-US" sz="3200" dirty="0" smtClean="0"/>
+              <a:t> </a:t>
+            </a:r>
+            <a:r>
+              <a:rPr lang="en-US" sz="3200" dirty="0" err="1" smtClean="0"/>
+              <a:t>mudah</a:t>
+            </a:r>
+            <a:r>
+              <a:rPr lang="en-US" sz="3200" dirty="0" smtClean="0"/>
+              <a:t> </a:t>
+            </a:r>
+            <a:r>
+              <a:rPr lang="en-US" sz="3200" dirty="0" err="1" smtClean="0"/>
+              <a:t>mencari</a:t>
+            </a:r>
+            <a:r>
+              <a:rPr lang="en-US" sz="3200" dirty="0" smtClean="0"/>
+              <a:t> data </a:t>
+            </a:r>
+            <a:r>
+              <a:rPr lang="en-US" sz="3200" dirty="0" err="1" smtClean="0"/>
+              <a:t>rekam</a:t>
+            </a:r>
+            <a:r>
+              <a:rPr lang="en-US" sz="3200" dirty="0" smtClean="0"/>
+              <a:t> </a:t>
+            </a:r>
+            <a:r>
+              <a:rPr lang="en-US" sz="3200" dirty="0" err="1" smtClean="0"/>
+              <a:t>medis</a:t>
+            </a:r>
+            <a:r>
+              <a:rPr lang="en-US" sz="3200" dirty="0" smtClean="0"/>
+              <a:t> </a:t>
+            </a:r>
+            <a:r>
+              <a:rPr lang="en-US" sz="3200" dirty="0" err="1" smtClean="0"/>
+              <a:t>pasien</a:t>
+            </a:r>
+            <a:r>
+              <a:rPr lang="en-US" sz="3200" dirty="0" smtClean="0"/>
+              <a:t> yang di </a:t>
+            </a:r>
+            <a:r>
+              <a:rPr lang="en-US" sz="3200" dirty="0" err="1" smtClean="0"/>
+              <a:t>inginkan</a:t>
+            </a:r>
+            <a:r>
+              <a:rPr lang="en-US" sz="3200" dirty="0" smtClean="0"/>
+              <a:t>, </a:t>
+            </a:r>
+            <a:r>
+              <a:rPr lang="en-US" sz="3200" dirty="0" err="1" smtClean="0"/>
+              <a:t>tidak</a:t>
+            </a:r>
+            <a:r>
+              <a:rPr lang="en-US" sz="3200" dirty="0" smtClean="0"/>
+              <a:t> </a:t>
+            </a:r>
+            <a:r>
+              <a:rPr lang="en-US" sz="3200" dirty="0" err="1" smtClean="0"/>
+              <a:t>perlu</a:t>
+            </a:r>
+            <a:r>
+              <a:rPr lang="en-US" sz="3200" dirty="0" smtClean="0"/>
+              <a:t> </a:t>
+            </a:r>
+            <a:r>
+              <a:rPr lang="en-US" sz="3200" dirty="0" err="1" smtClean="0"/>
+              <a:t>mencari</a:t>
+            </a:r>
+            <a:r>
+              <a:rPr lang="en-US" sz="3200" dirty="0" smtClean="0"/>
+              <a:t> </a:t>
+            </a:r>
+            <a:r>
+              <a:rPr lang="en-US" sz="3200" dirty="0" err="1" smtClean="0"/>
+              <a:t>satu</a:t>
+            </a:r>
+            <a:r>
+              <a:rPr lang="en-US" sz="3200" dirty="0" smtClean="0"/>
+              <a:t> </a:t>
+            </a:r>
+            <a:r>
+              <a:rPr lang="en-US" sz="3200" dirty="0" err="1" smtClean="0"/>
+              <a:t>persatu</a:t>
+            </a:r>
+            <a:r>
+              <a:rPr lang="en-US" sz="3200" dirty="0" smtClean="0"/>
+              <a:t> data </a:t>
+            </a:r>
+            <a:r>
+              <a:rPr lang="en-US" sz="3200" dirty="0" err="1" smtClean="0"/>
+              <a:t>kertas</a:t>
+            </a:r>
+            <a:r>
+              <a:rPr lang="en-US" sz="3200" dirty="0" smtClean="0"/>
+              <a:t> </a:t>
+            </a:r>
+            <a:r>
+              <a:rPr lang="en-US" sz="3200" dirty="0" err="1" smtClean="0"/>
+              <a:t>catatan</a:t>
+            </a:r>
+            <a:r>
+              <a:rPr lang="en-US" sz="3200" dirty="0" smtClean="0"/>
+              <a:t> yang </a:t>
+            </a:r>
+            <a:r>
+              <a:rPr lang="en-US" sz="3200" dirty="0" err="1" smtClean="0"/>
+              <a:t>pastinya</a:t>
+            </a:r>
+            <a:r>
+              <a:rPr lang="en-US" sz="3200" dirty="0" smtClean="0"/>
+              <a:t> </a:t>
+            </a:r>
+            <a:r>
+              <a:rPr lang="en-US" sz="3200" dirty="0" err="1" smtClean="0"/>
               <a:t>akan</a:t>
             </a:r>
             <a:r>
-              <a:rPr lang="en-US" dirty="0" smtClean="0"/>
+              <a:rPr lang="en-US" sz="3200" dirty="0" smtClean="0"/>
               <a:t> </a:t>
             </a:r>
             <a:r>
-              <a:rPr lang="en-US" dirty="0" err="1" smtClean="0"/>
-              <a:t>diberikan</a:t>
-            </a:r>
-            <a:r>
-              <a:rPr lang="en-US" dirty="0" smtClean="0"/>
+              <a:rPr lang="en-US" sz="3200" dirty="0" err="1" smtClean="0"/>
+              <a:t>memakan</a:t>
+            </a:r>
+            <a:r>
+              <a:rPr lang="en-US" sz="3200" dirty="0" smtClean="0"/>
               <a:t> </a:t>
             </a:r>
             <a:r>
-              <a:rPr lang="en-US" dirty="0" err="1" smtClean="0"/>
-              <a:t>pilihan</a:t>
-            </a:r>
-            <a:r>
-              <a:rPr lang="en-US" dirty="0" smtClean="0"/>
-              <a:t> data </a:t>
-            </a:r>
-            <a:r>
-              <a:rPr lang="en-US" dirty="0" err="1" smtClean="0"/>
-              <a:t>kunjungan</a:t>
-            </a:r>
-            <a:r>
-              <a:rPr lang="en-US" dirty="0" smtClean="0"/>
-              <a:t>, </a:t>
-            </a:r>
-            <a:r>
-              <a:rPr lang="en-US" dirty="0" err="1" smtClean="0"/>
-              <a:t>ada</a:t>
-            </a:r>
-            <a:r>
-              <a:rPr lang="en-US" dirty="0" smtClean="0"/>
-              <a:t> yang HARI INI </a:t>
-            </a:r>
-            <a:r>
-              <a:rPr lang="en-US" dirty="0" err="1" smtClean="0"/>
-              <a:t>dan</a:t>
-            </a:r>
-            <a:r>
-              <a:rPr lang="en-US" dirty="0" smtClean="0"/>
-              <a:t> SEMUA DATA. </a:t>
-            </a:r>
-            <a:r>
-              <a:rPr lang="en-US" dirty="0" err="1" smtClean="0"/>
-              <a:t>Namun</a:t>
-            </a:r>
-            <a:r>
-              <a:rPr lang="en-US" dirty="0" smtClean="0"/>
-              <a:t>, </a:t>
-            </a:r>
-            <a:r>
-              <a:rPr lang="en-US" dirty="0" err="1" smtClean="0"/>
-              <a:t>jika</a:t>
-            </a:r>
-            <a:r>
-              <a:rPr lang="en-US" dirty="0" smtClean="0"/>
+              <a:rPr lang="en-US" sz="3200" dirty="0" err="1" smtClean="0"/>
+              <a:t>waktu</a:t>
+            </a:r>
+            <a:r>
+              <a:rPr lang="en-US" sz="3200" dirty="0" smtClean="0"/>
+              <a:t> yang </a:t>
+            </a:r>
+            <a:r>
+              <a:rPr lang="en-US" sz="3200" dirty="0" err="1" smtClean="0"/>
+              <a:t>tidak</a:t>
+            </a:r>
+            <a:r>
+              <a:rPr lang="en-US" sz="3200" dirty="0" smtClean="0"/>
               <a:t> </a:t>
             </a:r>
             <a:r>
-              <a:rPr lang="en-US" dirty="0" err="1" smtClean="0"/>
-              <a:t>kita</a:t>
-            </a:r>
-            <a:r>
-              <a:rPr lang="en-US" dirty="0" smtClean="0"/>
-              <a:t> login </a:t>
-            </a:r>
-            <a:r>
-              <a:rPr lang="en-US" dirty="0" err="1" smtClean="0"/>
-              <a:t>sebagai</a:t>
-            </a:r>
-            <a:r>
-              <a:rPr lang="en-US" dirty="0" smtClean="0"/>
-              <a:t> DOKTER, </a:t>
-            </a:r>
-            <a:r>
-              <a:rPr lang="en-US" dirty="0" err="1" smtClean="0"/>
-              <a:t>kita</a:t>
-            </a:r>
-            <a:r>
-              <a:rPr lang="en-US" dirty="0" smtClean="0"/>
-              <a:t> </a:t>
-            </a:r>
-            <a:r>
-              <a:rPr lang="en-US" dirty="0" err="1" smtClean="0"/>
-              <a:t>bisa</a:t>
-            </a:r>
-            <a:r>
-              <a:rPr lang="en-US" dirty="0" smtClean="0"/>
-              <a:t> </a:t>
-            </a:r>
-            <a:r>
-              <a:rPr lang="en-US" dirty="0" err="1" smtClean="0"/>
-              <a:t>melihat</a:t>
-            </a:r>
-            <a:r>
-              <a:rPr lang="en-US" dirty="0" smtClean="0"/>
-              <a:t> data </a:t>
-            </a:r>
-            <a:r>
-              <a:rPr lang="en-US" dirty="0" err="1" smtClean="0"/>
-              <a:t>rekam</a:t>
-            </a:r>
-            <a:r>
-              <a:rPr lang="en-US" dirty="0" smtClean="0"/>
-              <a:t> </a:t>
-            </a:r>
-            <a:r>
-              <a:rPr lang="en-US" dirty="0" err="1" smtClean="0"/>
-              <a:t>medis</a:t>
-            </a:r>
-            <a:r>
-              <a:rPr lang="en-US" dirty="0" smtClean="0"/>
-              <a:t> </a:t>
-            </a:r>
-            <a:r>
-              <a:rPr lang="en-US" dirty="0" err="1" smtClean="0"/>
-              <a:t>dari</a:t>
-            </a:r>
-            <a:r>
-              <a:rPr lang="en-US" dirty="0" smtClean="0"/>
-              <a:t> </a:t>
-            </a:r>
-            <a:r>
-              <a:rPr lang="en-US" dirty="0" err="1" smtClean="0"/>
-              <a:t>pasien</a:t>
-            </a:r>
-            <a:r>
-              <a:rPr lang="en-US" dirty="0" smtClean="0"/>
-              <a:t> </a:t>
-            </a:r>
-            <a:r>
-              <a:rPr lang="en-US" dirty="0" err="1" smtClean="0"/>
-              <a:t>dan</a:t>
-            </a:r>
-            <a:r>
-              <a:rPr lang="en-US" dirty="0" smtClean="0"/>
-              <a:t> </a:t>
-            </a:r>
-            <a:r>
-              <a:rPr lang="en-US" dirty="0" err="1" smtClean="0"/>
-              <a:t>menambahkan</a:t>
-            </a:r>
-            <a:r>
-              <a:rPr lang="en-US" dirty="0" smtClean="0"/>
-              <a:t> </a:t>
-            </a:r>
-            <a:r>
-              <a:rPr lang="en-US" dirty="0" err="1" smtClean="0"/>
-              <a:t>rekam</a:t>
-            </a:r>
-            <a:r>
-              <a:rPr lang="en-US" dirty="0" smtClean="0"/>
-              <a:t> </a:t>
-            </a:r>
-            <a:r>
-              <a:rPr lang="en-US" dirty="0" err="1" smtClean="0"/>
-              <a:t>medis</a:t>
-            </a:r>
-            <a:r>
-              <a:rPr lang="en-US" dirty="0" smtClean="0"/>
-              <a:t> </a:t>
-            </a:r>
-            <a:r>
-              <a:rPr lang="en-US" dirty="0" err="1" smtClean="0"/>
-              <a:t>pasien</a:t>
-            </a:r>
-            <a:r>
-              <a:rPr lang="en-US" dirty="0" smtClean="0"/>
+              <a:rPr lang="en-US" sz="3200" dirty="0" err="1" smtClean="0"/>
+              <a:t>sebentar</a:t>
+            </a:r>
+            <a:r>
+              <a:rPr lang="en-US" sz="3200" smtClean="0"/>
               <a:t>.</a:t>
             </a:r>
-            <a:endParaRPr lang="id-ID" dirty="0"/>
-          </a:p>
-        </p:txBody>
-      </p:sp>
-      <p:pic>
-        <p:nvPicPr>
-          <p:cNvPr id="5" name="Picture 4"/>
-          <p:cNvPicPr>
-            <a:picLocks noChangeAspect="1"/>
-          </p:cNvPicPr>
-          <p:nvPr/>
-        </p:nvPicPr>
-        <p:blipFill>
-          <a:blip r:embed="rId3">
-            <a:extLst>
-              <a:ext uri="{28A0092B-C50C-407E-A947-70E740481C1C}">
-                <a14:useLocalDpi xmlns:a14="http://schemas.microsoft.com/office/drawing/2010/main" val="0"/>
-              </a:ext>
-            </a:extLst>
-          </a:blip>
-          <a:stretch>
-            <a:fillRect/>
-          </a:stretch>
-        </p:blipFill>
-        <p:spPr>
-          <a:xfrm>
-            <a:off x="966651" y="4437239"/>
-            <a:ext cx="10058400" cy="2306431"/>
-          </a:xfrm>
-          <a:prstGeom prst="rect">
-            <a:avLst/>
-          </a:prstGeom>
-        </p:spPr>
-      </p:pic>
+            <a:endParaRPr lang="en-US" sz="3200" dirty="0" smtClean="0"/>
+          </a:p>
+          <a:p>
+            <a:endParaRPr lang="id-ID" sz="3200" dirty="0"/>
+          </a:p>
+        </p:txBody>
+      </p:sp>
     </p:spTree>
     <p:extLst>
       <p:ext uri="{BB962C8B-B14F-4D97-AF65-F5344CB8AC3E}">
-        <p14:creationId xmlns:p14="http://schemas.microsoft.com/office/powerpoint/2010/main" val="2691386956"/>
+        <p14:creationId xmlns:p14="http://schemas.microsoft.com/office/powerpoint/2010/main" val="2654695736"/>
       </p:ext>
     </p:extLst>
   </p:cSld>
   <p:clrMapOvr>
     <a:masterClrMapping/>
   </p:clrMapOvr>
-  <p:timing>
-    <p:tnLst>
-      <p:par>
-        <p:cTn id="1" dur="indefinite" restart="never" nodeType="tmRoot"/>
-      </p:par>
-    </p:tnLst>
-  </p:timing>
-</p:sld>
-</file>
-
-<file path=ppt/slides/slide9.xml><?xml version="1.0" encoding="utf-8"?>
-<p:sld xmlns:a="http://schemas.openxmlformats.org/drawingml/2006/main" xmlns:r="http://schemas.openxmlformats.org/officeDocument/2006/relationships" xmlns:p="http://schemas.openxmlformats.org/presentationml/2006/main">
-  <p:cSld>
-    <p:spTree>
-      <p:nvGrpSpPr>
-        <p:cNvPr id="1" name=""/>
-        <p:cNvGrpSpPr/>
-        <p:nvPr/>
-      </p:nvGrpSpPr>
-      <p:grpSpPr>
-        <a:xfrm>
-          <a:off x="0" y="0"/>
-          <a:ext cx="0" cy="0"/>
-          <a:chOff x="0" y="0"/>
-          <a:chExt cx="0" cy="0"/>
-        </a:xfrm>
-      </p:grpSpPr>
-      <p:pic>
-        <p:nvPicPr>
-          <p:cNvPr id="2" name="Picture 1"/>
-          <p:cNvPicPr>
-            <a:picLocks noChangeAspect="1"/>
-          </p:cNvPicPr>
-          <p:nvPr/>
-        </p:nvPicPr>
-        <p:blipFill>
-          <a:blip r:embed="rId2">
-            <a:extLst>
-              <a:ext uri="{28A0092B-C50C-407E-A947-70E740481C1C}">
-                <a14:useLocalDpi xmlns:a14="http://schemas.microsoft.com/office/drawing/2010/main" val="0"/>
-              </a:ext>
-            </a:extLst>
-          </a:blip>
-          <a:stretch>
-            <a:fillRect/>
-          </a:stretch>
-        </p:blipFill>
-        <p:spPr>
-          <a:xfrm>
-            <a:off x="888274" y="428807"/>
-            <a:ext cx="10058400" cy="2212996"/>
-          </a:xfrm>
-          <a:prstGeom prst="rect">
-            <a:avLst/>
-          </a:prstGeom>
-        </p:spPr>
-      </p:pic>
-      <p:sp>
-        <p:nvSpPr>
-          <p:cNvPr id="3" name="Rectangle 2"/>
-          <p:cNvSpPr/>
-          <p:nvPr/>
-        </p:nvSpPr>
-        <p:spPr>
-          <a:xfrm>
-            <a:off x="1351418" y="1718473"/>
-            <a:ext cx="5857694" cy="923330"/>
-          </a:xfrm>
-          <a:prstGeom prst="rect">
-            <a:avLst/>
-          </a:prstGeom>
-          <a:noFill/>
-        </p:spPr>
-        <p:txBody>
-          <a:bodyPr wrap="none" lIns="91440" tIns="45720" rIns="91440" bIns="45720">
-            <a:spAutoFit/>
-          </a:bodyPr>
-          <a:lstStyle/>
-          <a:p>
-            <a:pPr algn="ctr"/>
-            <a:r>
-              <a:rPr lang="en-US" sz="5400" b="1" cap="none" spc="50" dirty="0" smtClean="0">
-                <a:ln w="0"/>
-                <a:solidFill>
-                  <a:schemeClr val="bg2"/>
-                </a:solidFill>
-                <a:effectLst>
-                  <a:innerShdw blurRad="63500" dist="50800" dir="13500000">
-                    <a:srgbClr val="000000">
-                      <a:alpha val="50000"/>
-                    </a:srgbClr>
-                  </a:innerShdw>
-                </a:effectLst>
-              </a:rPr>
-              <a:t>List </a:t>
-            </a:r>
-            <a:r>
-              <a:rPr lang="en-US" sz="5400" b="1" cap="none" spc="50" dirty="0" err="1" smtClean="0">
-                <a:ln w="0"/>
-                <a:solidFill>
-                  <a:schemeClr val="bg2"/>
-                </a:solidFill>
-                <a:effectLst>
-                  <a:innerShdw blurRad="63500" dist="50800" dir="13500000">
-                    <a:srgbClr val="000000">
-                      <a:alpha val="50000"/>
-                    </a:srgbClr>
-                  </a:innerShdw>
-                </a:effectLst>
-              </a:rPr>
-              <a:t>rekam</a:t>
-            </a:r>
-            <a:r>
-              <a:rPr lang="en-US" sz="5400" b="1" cap="none" spc="50" dirty="0" smtClean="0">
-                <a:ln w="0"/>
-                <a:solidFill>
-                  <a:schemeClr val="bg2"/>
-                </a:solidFill>
-                <a:effectLst>
-                  <a:innerShdw blurRad="63500" dist="50800" dir="13500000">
-                    <a:srgbClr val="000000">
-                      <a:alpha val="50000"/>
-                    </a:srgbClr>
-                  </a:innerShdw>
-                </a:effectLst>
-              </a:rPr>
-              <a:t> </a:t>
-            </a:r>
-            <a:r>
-              <a:rPr lang="en-US" sz="5400" b="1" cap="none" spc="50" dirty="0" err="1" smtClean="0">
-                <a:ln w="0"/>
-                <a:solidFill>
-                  <a:schemeClr val="bg2"/>
-                </a:solidFill>
-                <a:effectLst>
-                  <a:innerShdw blurRad="63500" dist="50800" dir="13500000">
-                    <a:srgbClr val="000000">
-                      <a:alpha val="50000"/>
-                    </a:srgbClr>
-                  </a:innerShdw>
-                </a:effectLst>
-              </a:rPr>
-              <a:t>medis</a:t>
-            </a:r>
-            <a:endParaRPr lang="en-US" sz="5400" b="1" cap="none" spc="50" dirty="0">
-              <a:ln w="0"/>
-              <a:solidFill>
-                <a:schemeClr val="bg2"/>
-              </a:solidFill>
-              <a:effectLst>
-                <a:innerShdw blurRad="63500" dist="50800" dir="13500000">
-                  <a:srgbClr val="000000">
-                    <a:alpha val="50000"/>
-                  </a:srgbClr>
-                </a:innerShdw>
-              </a:effectLst>
-            </a:endParaRPr>
-          </a:p>
-        </p:txBody>
-      </p:sp>
-      <p:pic>
-        <p:nvPicPr>
-          <p:cNvPr id="4" name="Picture 3"/>
-          <p:cNvPicPr>
-            <a:picLocks noChangeAspect="1"/>
-          </p:cNvPicPr>
-          <p:nvPr/>
-        </p:nvPicPr>
-        <p:blipFill>
-          <a:blip r:embed="rId3">
-            <a:extLst>
-              <a:ext uri="{28A0092B-C50C-407E-A947-70E740481C1C}">
-                <a14:useLocalDpi xmlns:a14="http://schemas.microsoft.com/office/drawing/2010/main" val="0"/>
-              </a:ext>
-            </a:extLst>
-          </a:blip>
-          <a:stretch>
-            <a:fillRect/>
-          </a:stretch>
-        </p:blipFill>
-        <p:spPr>
-          <a:xfrm>
-            <a:off x="888274" y="2714356"/>
-            <a:ext cx="10058400" cy="3971778"/>
-          </a:xfrm>
-          <a:prstGeom prst="rect">
-            <a:avLst/>
-          </a:prstGeom>
-        </p:spPr>
-      </p:pic>
-      <p:sp>
-        <p:nvSpPr>
-          <p:cNvPr id="5" name="Rectangle 4"/>
-          <p:cNvSpPr/>
-          <p:nvPr/>
-        </p:nvSpPr>
-        <p:spPr>
-          <a:xfrm>
-            <a:off x="1351418" y="2714356"/>
-            <a:ext cx="9417964" cy="923330"/>
-          </a:xfrm>
-          <a:prstGeom prst="rect">
-            <a:avLst/>
-          </a:prstGeom>
-          <a:noFill/>
-        </p:spPr>
-        <p:txBody>
-          <a:bodyPr wrap="none" lIns="91440" tIns="45720" rIns="91440" bIns="45720">
-            <a:spAutoFit/>
-          </a:bodyPr>
-          <a:lstStyle/>
-          <a:p>
-            <a:pPr algn="ctr"/>
-            <a:r>
-              <a:rPr lang="en-US" sz="5400" b="1" cap="none" spc="50" dirty="0" err="1" smtClean="0">
-                <a:ln w="0"/>
-                <a:solidFill>
-                  <a:schemeClr val="bg2"/>
-                </a:solidFill>
-                <a:effectLst>
-                  <a:innerShdw blurRad="63500" dist="50800" dir="13500000">
-                    <a:srgbClr val="000000">
-                      <a:alpha val="50000"/>
-                    </a:srgbClr>
-                  </a:innerShdw>
-                </a:effectLst>
-              </a:rPr>
-              <a:t>Tambah</a:t>
-            </a:r>
-            <a:r>
-              <a:rPr lang="en-US" sz="5400" b="1" cap="none" spc="50" dirty="0" smtClean="0">
-                <a:ln w="0"/>
-                <a:solidFill>
-                  <a:schemeClr val="bg2"/>
-                </a:solidFill>
-                <a:effectLst>
-                  <a:innerShdw blurRad="63500" dist="50800" dir="13500000">
-                    <a:srgbClr val="000000">
-                      <a:alpha val="50000"/>
-                    </a:srgbClr>
-                  </a:innerShdw>
-                </a:effectLst>
-              </a:rPr>
-              <a:t> data </a:t>
-            </a:r>
-            <a:r>
-              <a:rPr lang="en-US" sz="5400" b="1" cap="none" spc="50" dirty="0" err="1" smtClean="0">
-                <a:ln w="0"/>
-                <a:solidFill>
-                  <a:schemeClr val="bg2"/>
-                </a:solidFill>
-                <a:effectLst>
-                  <a:innerShdw blurRad="63500" dist="50800" dir="13500000">
-                    <a:srgbClr val="000000">
-                      <a:alpha val="50000"/>
-                    </a:srgbClr>
-                  </a:innerShdw>
-                </a:effectLst>
-              </a:rPr>
-              <a:t>rekam</a:t>
-            </a:r>
-            <a:r>
-              <a:rPr lang="en-US" sz="5400" b="1" cap="none" spc="50" dirty="0" smtClean="0">
-                <a:ln w="0"/>
-                <a:solidFill>
-                  <a:schemeClr val="bg2"/>
-                </a:solidFill>
-                <a:effectLst>
-                  <a:innerShdw blurRad="63500" dist="50800" dir="13500000">
-                    <a:srgbClr val="000000">
-                      <a:alpha val="50000"/>
-                    </a:srgbClr>
-                  </a:innerShdw>
-                </a:effectLst>
-              </a:rPr>
-              <a:t> </a:t>
-            </a:r>
-            <a:r>
-              <a:rPr lang="en-US" sz="5400" b="1" cap="none" spc="50" dirty="0" err="1" smtClean="0">
-                <a:ln w="0"/>
-                <a:solidFill>
-                  <a:schemeClr val="bg2"/>
-                </a:solidFill>
-                <a:effectLst>
-                  <a:innerShdw blurRad="63500" dist="50800" dir="13500000">
-                    <a:srgbClr val="000000">
-                      <a:alpha val="50000"/>
-                    </a:srgbClr>
-                  </a:innerShdw>
-                </a:effectLst>
-              </a:rPr>
-              <a:t>medis</a:t>
-            </a:r>
-            <a:endParaRPr lang="en-US" sz="5400" b="1" cap="none" spc="50" dirty="0">
-              <a:ln w="0"/>
-              <a:solidFill>
-                <a:schemeClr val="bg2"/>
-              </a:solidFill>
-              <a:effectLst>
-                <a:innerShdw blurRad="63500" dist="50800" dir="13500000">
-                  <a:srgbClr val="000000">
-                    <a:alpha val="50000"/>
-                  </a:srgbClr>
-                </a:innerShdw>
-              </a:effectLst>
-            </a:endParaRPr>
-          </a:p>
-        </p:txBody>
-      </p:sp>
-    </p:spTree>
-    <p:extLst>
-      <p:ext uri="{BB962C8B-B14F-4D97-AF65-F5344CB8AC3E}">
-        <p14:creationId xmlns:p14="http://schemas.microsoft.com/office/powerpoint/2010/main" val="1917097584"/>
-      </p:ext>
-    </p:extLst>
-  </p:cSld>
-  <p:clrMapOvr>
-    <a:masterClrMapping/>
-  </p:clrMapOvr>
+  <mc:AlternateContent xmlns:mc="http://schemas.openxmlformats.org/markup-compatibility/2006" xmlns:p14="http://schemas.microsoft.com/office/powerpoint/2010/main">
+    <mc:Choice Requires="p14">
+      <p:transition spd="slow" p14:dur="3000">
+        <p14:shred/>
+      </p:transition>
+    </mc:Choice>
+    <mc:Fallback xmlns="">
+      <p:transition spd="slow">
+        <p:fade/>
+      </p:transition>
+    </mc:Fallback>
+  </mc:AlternateContent>
   <p:timing>
     <p:tnLst>
       <p:par>
